--- a/06_납품현황/2018/01_광교에이스/02_SerialNumber/20180209_광교에이스2차.pptx
+++ b/06_납품현황/2018/01_광교에이스/02_SerialNumber/20180209_광교에이스2차.pptx
@@ -4095,7 +4095,27 @@
           <a:p>
             <a:r>
               <a:rPr lang="en-US" altLang="ko-KR" b="1" dirty="0" smtClean="0"/>
-              <a:t>LGM : 2646 ~ 2661 (16)</a:t>
+              <a:t>LGM : </a:t>
+            </a:r>
+            <a:r>
+              <a:rPr lang="en-US" altLang="ko-KR" b="1" dirty="0" smtClean="0"/>
+              <a:t>2644 </a:t>
+            </a:r>
+            <a:r>
+              <a:rPr lang="en-US" altLang="ko-KR" b="1" dirty="0" smtClean="0"/>
+              <a:t>~ </a:t>
+            </a:r>
+            <a:r>
+              <a:rPr lang="en-US" altLang="ko-KR" b="1" dirty="0" smtClean="0"/>
+              <a:t>2657 </a:t>
+            </a:r>
+            <a:r>
+              <a:rPr lang="en-US" altLang="ko-KR" b="1" dirty="0" smtClean="0"/>
+              <a:t>(</a:t>
+            </a:r>
+            <a:r>
+              <a:rPr lang="en-US" altLang="ko-KR" b="1" dirty="0" smtClean="0"/>
+              <a:t>14)</a:t>
             </a:r>
             <a:endParaRPr lang="ko-KR" altLang="en-US" b="1" dirty="0"/>
           </a:p>
@@ -4128,6 +4148,105 @@
           <a:p>
             <a:r>
               <a:rPr lang="en-US" altLang="ko-KR" sz="1600" dirty="0" smtClean="0"/>
+              <a:t>2648</a:t>
+            </a:r>
+            <a:endParaRPr lang="ko-KR" altLang="en-US" sz="1600" dirty="0"/>
+          </a:p>
+        </p:txBody>
+      </p:sp>
+      <p:sp>
+        <p:nvSpPr>
+          <p:cNvPr id="82" name="TextBox 81"/>
+          <p:cNvSpPr txBox="1"/>
+          <p:nvPr/>
+        </p:nvSpPr>
+        <p:spPr>
+          <a:xfrm>
+            <a:off x="4208430" y="5598405"/>
+            <a:ext cx="639919" cy="338554"/>
+          </a:xfrm>
+          <a:prstGeom prst="rect">
+            <a:avLst/>
+          </a:prstGeom>
+          <a:noFill/>
+          <a:ln>
+            <a:noFill/>
+          </a:ln>
+        </p:spPr>
+        <p:txBody>
+          <a:bodyPr wrap="none" rtlCol="0">
+            <a:spAutoFit/>
+          </a:bodyPr>
+          <a:lstStyle/>
+          <a:p>
+            <a:r>
+              <a:rPr lang="en-US" altLang="ko-KR" sz="1600" dirty="0" smtClean="0"/>
+              <a:t>2652</a:t>
+            </a:r>
+            <a:endParaRPr lang="ko-KR" altLang="en-US" sz="1600" dirty="0"/>
+          </a:p>
+        </p:txBody>
+      </p:sp>
+      <p:sp>
+        <p:nvSpPr>
+          <p:cNvPr id="83" name="TextBox 82"/>
+          <p:cNvSpPr txBox="1"/>
+          <p:nvPr/>
+        </p:nvSpPr>
+        <p:spPr>
+          <a:xfrm>
+            <a:off x="5072518" y="5598405"/>
+            <a:ext cx="639919" cy="338554"/>
+          </a:xfrm>
+          <a:prstGeom prst="rect">
+            <a:avLst/>
+          </a:prstGeom>
+          <a:noFill/>
+          <a:ln>
+            <a:noFill/>
+          </a:ln>
+        </p:spPr>
+        <p:txBody>
+          <a:bodyPr wrap="none" rtlCol="0">
+            <a:spAutoFit/>
+          </a:bodyPr>
+          <a:lstStyle/>
+          <a:p>
+            <a:r>
+              <a:rPr lang="en-US" altLang="ko-KR" sz="1600" dirty="0" smtClean="0"/>
+              <a:t>2651</a:t>
+            </a:r>
+            <a:endParaRPr lang="ko-KR" altLang="en-US" sz="1600" dirty="0"/>
+          </a:p>
+        </p:txBody>
+      </p:sp>
+      <p:sp>
+        <p:nvSpPr>
+          <p:cNvPr id="84" name="TextBox 83"/>
+          <p:cNvSpPr txBox="1"/>
+          <p:nvPr/>
+        </p:nvSpPr>
+        <p:spPr>
+          <a:xfrm>
+            <a:off x="5973182" y="5598405"/>
+            <a:ext cx="639919" cy="338554"/>
+          </a:xfrm>
+          <a:prstGeom prst="rect">
+            <a:avLst/>
+          </a:prstGeom>
+          <a:noFill/>
+          <a:ln>
+            <a:noFill/>
+          </a:ln>
+        </p:spPr>
+        <p:txBody>
+          <a:bodyPr wrap="none" rtlCol="0">
+            <a:spAutoFit/>
+          </a:bodyPr>
+          <a:lstStyle/>
+          <a:p>
+            <a:r>
+              <a:rPr lang="en-US" altLang="ko-KR" sz="1600" dirty="0" smtClean="0"/>
               <a:t>2650</a:t>
             </a:r>
             <a:endParaRPr lang="ko-KR" altLang="en-US" sz="1600" dirty="0"/>
@@ -4136,105 +4255,6 @@
       </p:sp>
       <p:sp>
         <p:nvSpPr>
-          <p:cNvPr id="82" name="TextBox 81"/>
-          <p:cNvSpPr txBox="1"/>
-          <p:nvPr/>
-        </p:nvSpPr>
-        <p:spPr>
-          <a:xfrm>
-            <a:off x="4208430" y="5598405"/>
-            <a:ext cx="639919" cy="338554"/>
-          </a:xfrm>
-          <a:prstGeom prst="rect">
-            <a:avLst/>
-          </a:prstGeom>
-          <a:noFill/>
-          <a:ln>
-            <a:noFill/>
-          </a:ln>
-        </p:spPr>
-        <p:txBody>
-          <a:bodyPr wrap="none" rtlCol="0">
-            <a:spAutoFit/>
-          </a:bodyPr>
-          <a:lstStyle/>
-          <a:p>
-            <a:r>
-              <a:rPr lang="en-US" altLang="ko-KR" sz="1600" dirty="0" smtClean="0"/>
-              <a:t>2654</a:t>
-            </a:r>
-            <a:endParaRPr lang="ko-KR" altLang="en-US" sz="1600" dirty="0"/>
-          </a:p>
-        </p:txBody>
-      </p:sp>
-      <p:sp>
-        <p:nvSpPr>
-          <p:cNvPr id="83" name="TextBox 82"/>
-          <p:cNvSpPr txBox="1"/>
-          <p:nvPr/>
-        </p:nvSpPr>
-        <p:spPr>
-          <a:xfrm>
-            <a:off x="5072518" y="5598405"/>
-            <a:ext cx="639919" cy="338554"/>
-          </a:xfrm>
-          <a:prstGeom prst="rect">
-            <a:avLst/>
-          </a:prstGeom>
-          <a:noFill/>
-          <a:ln>
-            <a:noFill/>
-          </a:ln>
-        </p:spPr>
-        <p:txBody>
-          <a:bodyPr wrap="none" rtlCol="0">
-            <a:spAutoFit/>
-          </a:bodyPr>
-          <a:lstStyle/>
-          <a:p>
-            <a:r>
-              <a:rPr lang="en-US" altLang="ko-KR" sz="1600" dirty="0" smtClean="0"/>
-              <a:t>2653</a:t>
-            </a:r>
-            <a:endParaRPr lang="ko-KR" altLang="en-US" sz="1600" dirty="0"/>
-          </a:p>
-        </p:txBody>
-      </p:sp>
-      <p:sp>
-        <p:nvSpPr>
-          <p:cNvPr id="84" name="TextBox 83"/>
-          <p:cNvSpPr txBox="1"/>
-          <p:nvPr/>
-        </p:nvSpPr>
-        <p:spPr>
-          <a:xfrm>
-            <a:off x="5973182" y="5598405"/>
-            <a:ext cx="639919" cy="338554"/>
-          </a:xfrm>
-          <a:prstGeom prst="rect">
-            <a:avLst/>
-          </a:prstGeom>
-          <a:noFill/>
-          <a:ln>
-            <a:noFill/>
-          </a:ln>
-        </p:spPr>
-        <p:txBody>
-          <a:bodyPr wrap="none" rtlCol="0">
-            <a:spAutoFit/>
-          </a:bodyPr>
-          <a:lstStyle/>
-          <a:p>
-            <a:r>
-              <a:rPr lang="en-US" altLang="ko-KR" sz="1600" dirty="0" smtClean="0"/>
-              <a:t>2652</a:t>
-            </a:r>
-            <a:endParaRPr lang="ko-KR" altLang="en-US" sz="1600" dirty="0"/>
-          </a:p>
-        </p:txBody>
-      </p:sp>
-      <p:sp>
-        <p:nvSpPr>
           <p:cNvPr id="85" name="TextBox 84"/>
           <p:cNvSpPr txBox="1"/>
           <p:nvPr/>
@@ -4260,7 +4280,7 @@
           <a:p>
             <a:r>
               <a:rPr lang="en-US" altLang="ko-KR" sz="1600" dirty="0" smtClean="0"/>
-              <a:t>2651</a:t>
+              <a:t>2649</a:t>
             </a:r>
             <a:endParaRPr lang="ko-KR" altLang="en-US" sz="1600" dirty="0"/>
           </a:p>
@@ -4323,7 +4343,7 @@
           <a:p>
             <a:r>
               <a:rPr lang="en-US" altLang="ko-KR" sz="1600" dirty="0" smtClean="0"/>
-              <a:t>2657</a:t>
+              <a:t>2655</a:t>
             </a:r>
             <a:endParaRPr lang="ko-KR" altLang="en-US" sz="1600" dirty="0"/>
           </a:p>
@@ -4356,7 +4376,7 @@
           <a:p>
             <a:r>
               <a:rPr lang="en-US" altLang="ko-KR" sz="1600" dirty="0" smtClean="0"/>
-              <a:t>2656</a:t>
+              <a:t>2654</a:t>
             </a:r>
             <a:endParaRPr lang="ko-KR" altLang="en-US" sz="1600" dirty="0"/>
           </a:p>
@@ -4389,7 +4409,7 @@
           <a:p>
             <a:r>
               <a:rPr lang="en-US" altLang="ko-KR" sz="1600" dirty="0" smtClean="0"/>
-              <a:t>2655</a:t>
+              <a:t>2653</a:t>
             </a:r>
             <a:endParaRPr lang="ko-KR" altLang="en-US" sz="1600" dirty="0"/>
           </a:p>
@@ -4422,7 +4442,7 @@
           <a:p>
             <a:r>
               <a:rPr lang="en-US" altLang="ko-KR" sz="1600" dirty="0" smtClean="0"/>
-              <a:t>2646</a:t>
+              <a:t>2644</a:t>
             </a:r>
             <a:endParaRPr lang="ko-KR" altLang="en-US" sz="1600" dirty="0"/>
           </a:p>
@@ -4455,7 +4475,7 @@
           <a:p>
             <a:r>
               <a:rPr lang="en-US" altLang="ko-KR" sz="1600" dirty="0" smtClean="0"/>
-              <a:t>2647</a:t>
+              <a:t>2645</a:t>
             </a:r>
             <a:endParaRPr lang="ko-KR" altLang="en-US" sz="1600" dirty="0"/>
           </a:p>
@@ -4488,7 +4508,7 @@
           <a:p>
             <a:r>
               <a:rPr lang="en-US" altLang="ko-KR" sz="1600" dirty="0" smtClean="0"/>
-              <a:t>2648</a:t>
+              <a:t>2646</a:t>
             </a:r>
             <a:endParaRPr lang="ko-KR" altLang="en-US" sz="1600" dirty="0"/>
           </a:p>
@@ -4521,7 +4541,7 @@
           <a:p>
             <a:r>
               <a:rPr lang="en-US" altLang="ko-KR" sz="1600" dirty="0" smtClean="0"/>
-              <a:t>2649</a:t>
+              <a:t>2647</a:t>
             </a:r>
             <a:endParaRPr lang="ko-KR" altLang="en-US" sz="1600" dirty="0"/>
           </a:p>
@@ -4554,7 +4574,7 @@
           <a:p>
             <a:r>
               <a:rPr lang="en-US" altLang="ko-KR" sz="1600" dirty="0" smtClean="0"/>
-              <a:t>2660</a:t>
+              <a:t>2656</a:t>
             </a:r>
             <a:endParaRPr lang="ko-KR" altLang="en-US" sz="1600" dirty="0"/>
           </a:p>
@@ -4587,7 +4607,7 @@
           <a:p>
             <a:r>
               <a:rPr lang="en-US" altLang="ko-KR" sz="1600" dirty="0" smtClean="0"/>
-              <a:t>2661</a:t>
+              <a:t>2657</a:t>
             </a:r>
             <a:endParaRPr lang="ko-KR" altLang="en-US" sz="1600" dirty="0"/>
           </a:p>
@@ -4620,7 +4640,7 @@
           <a:p>
             <a:r>
               <a:rPr lang="en-US" altLang="ko-KR" sz="1600" dirty="0" smtClean="0"/>
-              <a:t>2659</a:t>
+              <a:t>2299</a:t>
             </a:r>
             <a:endParaRPr lang="ko-KR" altLang="en-US" sz="1600" dirty="0"/>
           </a:p>
@@ -4653,12 +4673,273 @@
           <a:p>
             <a:r>
               <a:rPr lang="en-US" altLang="ko-KR" sz="1600" dirty="0" smtClean="0"/>
-              <a:t>2658</a:t>
-            </a:r>
-            <a:endParaRPr lang="ko-KR" altLang="en-US" sz="1600" dirty="0"/>
-          </a:p>
-        </p:txBody>
-      </p:sp>
+              <a:t>2298</a:t>
+            </a:r>
+            <a:endParaRPr lang="ko-KR" altLang="en-US" sz="1600" dirty="0"/>
+          </a:p>
+        </p:txBody>
+      </p:sp>
+      <p:cxnSp>
+        <p:nvCxnSpPr>
+          <p:cNvPr id="26" name="직선 화살표 연결선 25"/>
+          <p:cNvCxnSpPr/>
+          <p:nvPr/>
+        </p:nvCxnSpPr>
+        <p:spPr>
+          <a:xfrm flipV="1">
+            <a:off x="6613100" y="2382925"/>
+            <a:ext cx="0" cy="1010175"/>
+          </a:xfrm>
+          <a:prstGeom prst="straightConnector1">
+            <a:avLst/>
+          </a:prstGeom>
+          <a:ln w="28575">
+            <a:solidFill>
+              <a:schemeClr val="tx1"/>
+            </a:solidFill>
+            <a:tailEnd type="triangle"/>
+          </a:ln>
+        </p:spPr>
+        <p:style>
+          <a:lnRef idx="1">
+            <a:schemeClr val="accent1"/>
+          </a:lnRef>
+          <a:fillRef idx="0">
+            <a:schemeClr val="accent1"/>
+          </a:fillRef>
+          <a:effectRef idx="0">
+            <a:schemeClr val="accent1"/>
+          </a:effectRef>
+          <a:fontRef idx="minor">
+            <a:schemeClr val="tx1"/>
+          </a:fontRef>
+        </p:style>
+      </p:cxnSp>
+      <p:cxnSp>
+        <p:nvCxnSpPr>
+          <p:cNvPr id="27" name="직선 화살표 연결선 26"/>
+          <p:cNvCxnSpPr/>
+          <p:nvPr/>
+        </p:nvCxnSpPr>
+        <p:spPr>
+          <a:xfrm flipV="1">
+            <a:off x="7802179" y="2888012"/>
+            <a:ext cx="0" cy="1010175"/>
+          </a:xfrm>
+          <a:prstGeom prst="straightConnector1">
+            <a:avLst/>
+          </a:prstGeom>
+          <a:ln w="28575">
+            <a:solidFill>
+              <a:schemeClr val="tx1"/>
+            </a:solidFill>
+            <a:headEnd type="triangle" w="med" len="med"/>
+            <a:tailEnd type="none" w="med" len="med"/>
+          </a:ln>
+        </p:spPr>
+        <p:style>
+          <a:lnRef idx="1">
+            <a:schemeClr val="accent1"/>
+          </a:lnRef>
+          <a:fillRef idx="0">
+            <a:schemeClr val="accent1"/>
+          </a:fillRef>
+          <a:effectRef idx="0">
+            <a:schemeClr val="accent1"/>
+          </a:effectRef>
+          <a:fontRef idx="minor">
+            <a:schemeClr val="tx1"/>
+          </a:fontRef>
+        </p:style>
+      </p:cxnSp>
+      <p:sp>
+        <p:nvSpPr>
+          <p:cNvPr id="28" name="TextBox 27"/>
+          <p:cNvSpPr txBox="1"/>
+          <p:nvPr/>
+        </p:nvSpPr>
+        <p:spPr>
+          <a:xfrm>
+            <a:off x="9142636" y="3457082"/>
+            <a:ext cx="2690160" cy="369332"/>
+          </a:xfrm>
+          <a:prstGeom prst="rect">
+            <a:avLst/>
+          </a:prstGeom>
+          <a:noFill/>
+        </p:spPr>
+        <p:txBody>
+          <a:bodyPr wrap="none" rtlCol="0">
+            <a:spAutoFit/>
+          </a:bodyPr>
+          <a:lstStyle/>
+          <a:p>
+            <a:r>
+              <a:rPr lang="ko-KR" altLang="en-US" b="1" dirty="0" smtClean="0"/>
+              <a:t>장애인</a:t>
+            </a:r>
+            <a:r>
+              <a:rPr lang="en-US" altLang="ko-KR" b="1" dirty="0" smtClean="0"/>
+              <a:t> </a:t>
+            </a:r>
+            <a:r>
+              <a:rPr lang="en-US" altLang="ko-KR" b="1" dirty="0" smtClean="0"/>
+              <a:t>: </a:t>
+            </a:r>
+            <a:r>
+              <a:rPr lang="en-US" altLang="ko-KR" b="1" dirty="0" smtClean="0"/>
+              <a:t>2298, 2299 (2)</a:t>
+            </a:r>
+            <a:endParaRPr lang="ko-KR" altLang="en-US" b="1" dirty="0"/>
+          </a:p>
+        </p:txBody>
+      </p:sp>
+      <p:cxnSp>
+        <p:nvCxnSpPr>
+          <p:cNvPr id="29" name="직선 화살표 연결선 28"/>
+          <p:cNvCxnSpPr/>
+          <p:nvPr/>
+        </p:nvCxnSpPr>
+        <p:spPr>
+          <a:xfrm>
+            <a:off x="5072518" y="4347549"/>
+            <a:ext cx="480564" cy="0"/>
+          </a:xfrm>
+          <a:prstGeom prst="straightConnector1">
+            <a:avLst/>
+          </a:prstGeom>
+          <a:ln w="28575">
+            <a:solidFill>
+              <a:schemeClr val="tx1"/>
+            </a:solidFill>
+            <a:tailEnd type="triangle"/>
+          </a:ln>
+        </p:spPr>
+        <p:style>
+          <a:lnRef idx="1">
+            <a:schemeClr val="accent1"/>
+          </a:lnRef>
+          <a:fillRef idx="0">
+            <a:schemeClr val="accent1"/>
+          </a:fillRef>
+          <a:effectRef idx="0">
+            <a:schemeClr val="accent1"/>
+          </a:effectRef>
+          <a:fontRef idx="minor">
+            <a:schemeClr val="tx1"/>
+          </a:fontRef>
+        </p:style>
+      </p:cxnSp>
+      <p:cxnSp>
+        <p:nvCxnSpPr>
+          <p:cNvPr id="30" name="직선 화살표 연결선 29"/>
+          <p:cNvCxnSpPr/>
+          <p:nvPr/>
+        </p:nvCxnSpPr>
+        <p:spPr>
+          <a:xfrm flipV="1">
+            <a:off x="3921476" y="4690815"/>
+            <a:ext cx="0" cy="1010175"/>
+          </a:xfrm>
+          <a:prstGeom prst="straightConnector1">
+            <a:avLst/>
+          </a:prstGeom>
+          <a:ln w="28575">
+            <a:solidFill>
+              <a:schemeClr val="tx1"/>
+            </a:solidFill>
+            <a:tailEnd type="triangle"/>
+          </a:ln>
+        </p:spPr>
+        <p:style>
+          <a:lnRef idx="1">
+            <a:schemeClr val="accent1"/>
+          </a:lnRef>
+          <a:fillRef idx="0">
+            <a:schemeClr val="accent1"/>
+          </a:fillRef>
+          <a:effectRef idx="0">
+            <a:schemeClr val="accent1"/>
+          </a:effectRef>
+          <a:fontRef idx="minor">
+            <a:schemeClr val="tx1"/>
+          </a:fontRef>
+        </p:style>
+      </p:cxnSp>
+      <p:cxnSp>
+        <p:nvCxnSpPr>
+          <p:cNvPr id="31" name="직선 화살표 연결선 30"/>
+          <p:cNvCxnSpPr/>
+          <p:nvPr/>
+        </p:nvCxnSpPr>
+        <p:spPr>
+          <a:xfrm>
+            <a:off x="6132536" y="5041087"/>
+            <a:ext cx="480564" cy="0"/>
+          </a:xfrm>
+          <a:prstGeom prst="straightConnector1">
+            <a:avLst/>
+          </a:prstGeom>
+          <a:ln w="28575">
+            <a:solidFill>
+              <a:schemeClr val="tx1"/>
+            </a:solidFill>
+            <a:headEnd type="triangle" w="med" len="med"/>
+            <a:tailEnd type="none" w="med" len="med"/>
+          </a:ln>
+        </p:spPr>
+        <p:style>
+          <a:lnRef idx="1">
+            <a:schemeClr val="accent1"/>
+          </a:lnRef>
+          <a:fillRef idx="0">
+            <a:schemeClr val="accent1"/>
+          </a:fillRef>
+          <a:effectRef idx="0">
+            <a:schemeClr val="accent1"/>
+          </a:effectRef>
+          <a:fontRef idx="minor">
+            <a:schemeClr val="tx1"/>
+          </a:fontRef>
+        </p:style>
+      </p:cxnSp>
+      <p:cxnSp>
+        <p:nvCxnSpPr>
+          <p:cNvPr id="32" name="직선 화살표 연결선 31"/>
+          <p:cNvCxnSpPr/>
+          <p:nvPr/>
+        </p:nvCxnSpPr>
+        <p:spPr>
+          <a:xfrm flipV="1">
+            <a:off x="5062934" y="6080784"/>
+            <a:ext cx="2878672" cy="15886"/>
+          </a:xfrm>
+          <a:prstGeom prst="straightConnector1">
+            <a:avLst/>
+          </a:prstGeom>
+          <a:ln w="28575">
+            <a:solidFill>
+              <a:schemeClr val="tx1"/>
+            </a:solidFill>
+            <a:headEnd type="triangle" w="med" len="med"/>
+            <a:tailEnd type="none" w="med" len="med"/>
+          </a:ln>
+        </p:spPr>
+        <p:style>
+          <a:lnRef idx="1">
+            <a:schemeClr val="accent1"/>
+          </a:lnRef>
+          <a:fillRef idx="0">
+            <a:schemeClr val="accent1"/>
+          </a:fillRef>
+          <a:effectRef idx="0">
+            <a:schemeClr val="accent1"/>
+          </a:effectRef>
+          <a:fontRef idx="minor">
+            <a:schemeClr val="tx1"/>
+          </a:fontRef>
+        </p:style>
+      </p:cxnSp>
     </p:spTree>
     <p:extLst>
       <p:ext uri="{BB962C8B-B14F-4D97-AF65-F5344CB8AC3E}">
@@ -7285,6 +7566,74 @@
           </a:p>
         </p:txBody>
       </p:sp>
+      <p:sp>
+        <p:nvSpPr>
+          <p:cNvPr id="59" name="TextBox 58"/>
+          <p:cNvSpPr txBox="1"/>
+          <p:nvPr/>
+        </p:nvSpPr>
+        <p:spPr>
+          <a:xfrm>
+            <a:off x="1667424" y="4163275"/>
+            <a:ext cx="639919" cy="338554"/>
+          </a:xfrm>
+          <a:prstGeom prst="rect">
+            <a:avLst/>
+          </a:prstGeom>
+          <a:noFill/>
+          <a:ln w="38100">
+            <a:solidFill>
+              <a:schemeClr val="tx1"/>
+            </a:solidFill>
+          </a:ln>
+        </p:spPr>
+        <p:txBody>
+          <a:bodyPr wrap="none" rtlCol="0">
+            <a:spAutoFit/>
+          </a:bodyPr>
+          <a:lstStyle/>
+          <a:p>
+            <a:r>
+              <a:rPr lang="en-US" altLang="ko-KR" sz="1600" dirty="0" smtClean="0"/>
+              <a:t>8672</a:t>
+            </a:r>
+            <a:endParaRPr lang="ko-KR" altLang="en-US" sz="1600" dirty="0"/>
+          </a:p>
+        </p:txBody>
+      </p:sp>
+      <p:sp>
+        <p:nvSpPr>
+          <p:cNvPr id="60" name="TextBox 59"/>
+          <p:cNvSpPr txBox="1"/>
+          <p:nvPr/>
+        </p:nvSpPr>
+        <p:spPr>
+          <a:xfrm>
+            <a:off x="10246599" y="3003461"/>
+            <a:ext cx="659155" cy="338554"/>
+          </a:xfrm>
+          <a:prstGeom prst="rect">
+            <a:avLst/>
+          </a:prstGeom>
+          <a:noFill/>
+          <a:ln>
+            <a:noFill/>
+          </a:ln>
+        </p:spPr>
+        <p:txBody>
+          <a:bodyPr wrap="none" rtlCol="0">
+            <a:spAutoFit/>
+          </a:bodyPr>
+          <a:lstStyle/>
+          <a:p>
+            <a:r>
+              <a:rPr lang="en-US" altLang="ko-KR" sz="1600" b="1" dirty="0" smtClean="0"/>
+              <a:t>8672</a:t>
+            </a:r>
+            <a:endParaRPr lang="ko-KR" altLang="en-US" sz="1600" b="1" dirty="0"/>
+          </a:p>
+        </p:txBody>
+      </p:sp>
     </p:spTree>
     <p:extLst>
       <p:ext uri="{BB962C8B-B14F-4D97-AF65-F5344CB8AC3E}">
@@ -10197,6 +10546,152 @@
           <a:xfrm flipV="1">
             <a:off x="7505014" y="1985947"/>
             <a:ext cx="0" cy="1010175"/>
+          </a:xfrm>
+          <a:prstGeom prst="straightConnector1">
+            <a:avLst/>
+          </a:prstGeom>
+          <a:ln w="28575">
+            <a:solidFill>
+              <a:schemeClr val="tx1"/>
+            </a:solidFill>
+            <a:headEnd type="triangle" w="med" len="med"/>
+            <a:tailEnd type="none" w="med" len="med"/>
+          </a:ln>
+        </p:spPr>
+        <p:style>
+          <a:lnRef idx="1">
+            <a:schemeClr val="accent1"/>
+          </a:lnRef>
+          <a:fillRef idx="0">
+            <a:schemeClr val="accent1"/>
+          </a:fillRef>
+          <a:effectRef idx="0">
+            <a:schemeClr val="accent1"/>
+          </a:effectRef>
+          <a:fontRef idx="minor">
+            <a:schemeClr val="tx1"/>
+          </a:fontRef>
+        </p:style>
+      </p:cxnSp>
+      <p:cxnSp>
+        <p:nvCxnSpPr>
+          <p:cNvPr id="43" name="직선 화살표 연결선 42"/>
+          <p:cNvCxnSpPr/>
+          <p:nvPr/>
+        </p:nvCxnSpPr>
+        <p:spPr>
+          <a:xfrm>
+            <a:off x="4219228" y="4039392"/>
+            <a:ext cx="480564" cy="0"/>
+          </a:xfrm>
+          <a:prstGeom prst="straightConnector1">
+            <a:avLst/>
+          </a:prstGeom>
+          <a:ln w="28575">
+            <a:solidFill>
+              <a:schemeClr val="tx1"/>
+            </a:solidFill>
+            <a:tailEnd type="triangle"/>
+          </a:ln>
+        </p:spPr>
+        <p:style>
+          <a:lnRef idx="1">
+            <a:schemeClr val="accent1"/>
+          </a:lnRef>
+          <a:fillRef idx="0">
+            <a:schemeClr val="accent1"/>
+          </a:fillRef>
+          <a:effectRef idx="0">
+            <a:schemeClr val="accent1"/>
+          </a:effectRef>
+          <a:fontRef idx="minor">
+            <a:schemeClr val="tx1"/>
+          </a:fontRef>
+        </p:style>
+      </p:cxnSp>
+      <p:cxnSp>
+        <p:nvCxnSpPr>
+          <p:cNvPr id="44" name="직선 화살표 연결선 43"/>
+          <p:cNvCxnSpPr/>
+          <p:nvPr/>
+        </p:nvCxnSpPr>
+        <p:spPr>
+          <a:xfrm flipV="1">
+            <a:off x="3436844" y="4666710"/>
+            <a:ext cx="0" cy="1010175"/>
+          </a:xfrm>
+          <a:prstGeom prst="straightConnector1">
+            <a:avLst/>
+          </a:prstGeom>
+          <a:ln w="28575">
+            <a:solidFill>
+              <a:schemeClr val="tx1"/>
+            </a:solidFill>
+            <a:tailEnd type="triangle"/>
+          </a:ln>
+        </p:spPr>
+        <p:style>
+          <a:lnRef idx="1">
+            <a:schemeClr val="accent1"/>
+          </a:lnRef>
+          <a:fillRef idx="0">
+            <a:schemeClr val="accent1"/>
+          </a:fillRef>
+          <a:effectRef idx="0">
+            <a:schemeClr val="accent1"/>
+          </a:effectRef>
+          <a:fontRef idx="minor">
+            <a:schemeClr val="tx1"/>
+          </a:fontRef>
+        </p:style>
+      </p:cxnSp>
+      <p:cxnSp>
+        <p:nvCxnSpPr>
+          <p:cNvPr id="45" name="직선 화살표 연결선 44"/>
+          <p:cNvCxnSpPr/>
+          <p:nvPr/>
+        </p:nvCxnSpPr>
+        <p:spPr>
+          <a:xfrm>
+            <a:off x="6228330" y="5379415"/>
+            <a:ext cx="480564" cy="0"/>
+          </a:xfrm>
+          <a:prstGeom prst="straightConnector1">
+            <a:avLst/>
+          </a:prstGeom>
+          <a:ln w="28575">
+            <a:solidFill>
+              <a:schemeClr val="tx1"/>
+            </a:solidFill>
+            <a:headEnd type="triangle" w="med" len="med"/>
+            <a:tailEnd type="none" w="med" len="med"/>
+          </a:ln>
+        </p:spPr>
+        <p:style>
+          <a:lnRef idx="1">
+            <a:schemeClr val="accent1"/>
+          </a:lnRef>
+          <a:fillRef idx="0">
+            <a:schemeClr val="accent1"/>
+          </a:fillRef>
+          <a:effectRef idx="0">
+            <a:schemeClr val="accent1"/>
+          </a:effectRef>
+          <a:fontRef idx="minor">
+            <a:schemeClr val="tx1"/>
+          </a:fontRef>
+        </p:style>
+      </p:cxnSp>
+      <p:cxnSp>
+        <p:nvCxnSpPr>
+          <p:cNvPr id="46" name="직선 화살표 연결선 45"/>
+          <p:cNvCxnSpPr/>
+          <p:nvPr/>
+        </p:nvCxnSpPr>
+        <p:spPr>
+          <a:xfrm flipV="1">
+            <a:off x="4978998" y="5860250"/>
+            <a:ext cx="2878672" cy="15886"/>
           </a:xfrm>
           <a:prstGeom prst="straightConnector1">
             <a:avLst/>
@@ -10368,7 +10863,19 @@
           <a:p>
             <a:r>
               <a:rPr lang="en-US" altLang="ko-KR" b="1" dirty="0" smtClean="0"/>
-              <a:t>LGM : 2609 ~ 2629 (21)</a:t>
+              <a:t>LGM : 2609 ~ </a:t>
+            </a:r>
+            <a:r>
+              <a:rPr lang="en-US" altLang="ko-KR" b="1" dirty="0" smtClean="0"/>
+              <a:t>2630 </a:t>
+            </a:r>
+            <a:r>
+              <a:rPr lang="en-US" altLang="ko-KR" b="1" dirty="0" smtClean="0"/>
+              <a:t>(</a:t>
+            </a:r>
+            <a:r>
+              <a:rPr lang="en-US" altLang="ko-KR" b="1" dirty="0" smtClean="0"/>
+              <a:t>22)</a:t>
             </a:r>
             <a:endParaRPr lang="ko-KR" altLang="en-US" b="1" dirty="0"/>
           </a:p>
@@ -10467,7 +10974,7 @@
           <a:p>
             <a:r>
               <a:rPr lang="en-US" altLang="ko-KR" sz="1600" dirty="0" smtClean="0"/>
-              <a:t>2623</a:t>
+              <a:t>2624</a:t>
             </a:r>
             <a:endParaRPr lang="ko-KR" altLang="en-US" sz="1600" dirty="0"/>
           </a:p>
@@ -10500,7 +11007,7 @@
           <a:p>
             <a:r>
               <a:rPr lang="en-US" altLang="ko-KR" sz="1600" dirty="0" smtClean="0"/>
-              <a:t>2624</a:t>
+              <a:t>2625</a:t>
             </a:r>
             <a:endParaRPr lang="ko-KR" altLang="en-US" sz="1600" dirty="0"/>
           </a:p>
@@ -10533,172 +11040,172 @@
           <a:p>
             <a:r>
               <a:rPr lang="en-US" altLang="ko-KR" sz="1600" dirty="0" smtClean="0"/>
+              <a:t>2628</a:t>
+            </a:r>
+            <a:endParaRPr lang="ko-KR" altLang="en-US" sz="1600" dirty="0"/>
+          </a:p>
+        </p:txBody>
+      </p:sp>
+      <p:sp>
+        <p:nvSpPr>
+          <p:cNvPr id="80" name="TextBox 79"/>
+          <p:cNvSpPr txBox="1"/>
+          <p:nvPr/>
+        </p:nvSpPr>
+        <p:spPr>
+          <a:xfrm>
+            <a:off x="5166861" y="5248696"/>
+            <a:ext cx="639919" cy="338554"/>
+          </a:xfrm>
+          <a:prstGeom prst="rect">
+            <a:avLst/>
+          </a:prstGeom>
+          <a:noFill/>
+          <a:ln>
+            <a:noFill/>
+          </a:ln>
+        </p:spPr>
+        <p:txBody>
+          <a:bodyPr wrap="none" rtlCol="0">
+            <a:spAutoFit/>
+          </a:bodyPr>
+          <a:lstStyle/>
+          <a:p>
+            <a:r>
+              <a:rPr lang="en-US" altLang="ko-KR" sz="1600" dirty="0" smtClean="0"/>
+              <a:t>2629</a:t>
+            </a:r>
+            <a:endParaRPr lang="ko-KR" altLang="en-US" sz="1600" dirty="0"/>
+          </a:p>
+        </p:txBody>
+      </p:sp>
+      <p:sp>
+        <p:nvSpPr>
+          <p:cNvPr id="81" name="TextBox 80"/>
+          <p:cNvSpPr txBox="1"/>
+          <p:nvPr/>
+        </p:nvSpPr>
+        <p:spPr>
+          <a:xfrm>
+            <a:off x="4290232" y="5267463"/>
+            <a:ext cx="639919" cy="338554"/>
+          </a:xfrm>
+          <a:prstGeom prst="rect">
+            <a:avLst/>
+          </a:prstGeom>
+          <a:noFill/>
+          <a:ln>
+            <a:noFill/>
+          </a:ln>
+        </p:spPr>
+        <p:txBody>
+          <a:bodyPr wrap="none" rtlCol="0">
+            <a:spAutoFit/>
+          </a:bodyPr>
+          <a:lstStyle/>
+          <a:p>
+            <a:r>
+              <a:rPr lang="en-US" altLang="ko-KR" sz="1600" dirty="0" smtClean="0"/>
+              <a:t>2630</a:t>
+            </a:r>
+            <a:endParaRPr lang="ko-KR" altLang="en-US" sz="1600" dirty="0"/>
+          </a:p>
+        </p:txBody>
+      </p:sp>
+      <p:sp>
+        <p:nvSpPr>
+          <p:cNvPr id="82" name="TextBox 81"/>
+          <p:cNvSpPr txBox="1"/>
+          <p:nvPr/>
+        </p:nvSpPr>
+        <p:spPr>
+          <a:xfrm>
+            <a:off x="7608987" y="5682001"/>
+            <a:ext cx="639919" cy="338554"/>
+          </a:xfrm>
+          <a:prstGeom prst="rect">
+            <a:avLst/>
+          </a:prstGeom>
+          <a:noFill/>
+          <a:ln>
+            <a:noFill/>
+          </a:ln>
+        </p:spPr>
+        <p:txBody>
+          <a:bodyPr wrap="none" rtlCol="0">
+            <a:spAutoFit/>
+          </a:bodyPr>
+          <a:lstStyle/>
+          <a:p>
+            <a:r>
+              <a:rPr lang="en-US" altLang="ko-KR" sz="1600" dirty="0" smtClean="0"/>
+              <a:t>2616</a:t>
+            </a:r>
+            <a:endParaRPr lang="ko-KR" altLang="en-US" sz="1600" dirty="0"/>
+          </a:p>
+        </p:txBody>
+      </p:sp>
+      <p:sp>
+        <p:nvSpPr>
+          <p:cNvPr id="83" name="TextBox 82"/>
+          <p:cNvSpPr txBox="1"/>
+          <p:nvPr/>
+        </p:nvSpPr>
+        <p:spPr>
+          <a:xfrm>
+            <a:off x="5146251" y="3862438"/>
+            <a:ext cx="639919" cy="338554"/>
+          </a:xfrm>
+          <a:prstGeom prst="rect">
+            <a:avLst/>
+          </a:prstGeom>
+          <a:noFill/>
+          <a:ln>
+            <a:noFill/>
+          </a:ln>
+        </p:spPr>
+        <p:txBody>
+          <a:bodyPr wrap="none" rtlCol="0">
+            <a:spAutoFit/>
+          </a:bodyPr>
+          <a:lstStyle/>
+          <a:p>
+            <a:r>
+              <a:rPr lang="en-US" altLang="ko-KR" sz="1600" dirty="0" smtClean="0"/>
+              <a:t>2626</a:t>
+            </a:r>
+            <a:endParaRPr lang="ko-KR" altLang="en-US" sz="1600" dirty="0"/>
+          </a:p>
+        </p:txBody>
+      </p:sp>
+      <p:sp>
+        <p:nvSpPr>
+          <p:cNvPr id="84" name="TextBox 83"/>
+          <p:cNvSpPr txBox="1"/>
+          <p:nvPr/>
+        </p:nvSpPr>
+        <p:spPr>
+          <a:xfrm>
+            <a:off x="6049086" y="3855277"/>
+            <a:ext cx="639919" cy="338554"/>
+          </a:xfrm>
+          <a:prstGeom prst="rect">
+            <a:avLst/>
+          </a:prstGeom>
+          <a:noFill/>
+          <a:ln>
+            <a:noFill/>
+          </a:ln>
+        </p:spPr>
+        <p:txBody>
+          <a:bodyPr wrap="none" rtlCol="0">
+            <a:spAutoFit/>
+          </a:bodyPr>
+          <a:lstStyle/>
+          <a:p>
+            <a:r>
+              <a:rPr lang="en-US" altLang="ko-KR" sz="1600" dirty="0" smtClean="0"/>
               <a:t>2627</a:t>
-            </a:r>
-            <a:endParaRPr lang="ko-KR" altLang="en-US" sz="1600" dirty="0"/>
-          </a:p>
-        </p:txBody>
-      </p:sp>
-      <p:sp>
-        <p:nvSpPr>
-          <p:cNvPr id="80" name="TextBox 79"/>
-          <p:cNvSpPr txBox="1"/>
-          <p:nvPr/>
-        </p:nvSpPr>
-        <p:spPr>
-          <a:xfrm>
-            <a:off x="5166861" y="5248696"/>
-            <a:ext cx="639919" cy="338554"/>
-          </a:xfrm>
-          <a:prstGeom prst="rect">
-            <a:avLst/>
-          </a:prstGeom>
-          <a:noFill/>
-          <a:ln>
-            <a:noFill/>
-          </a:ln>
-        </p:spPr>
-        <p:txBody>
-          <a:bodyPr wrap="none" rtlCol="0">
-            <a:spAutoFit/>
-          </a:bodyPr>
-          <a:lstStyle/>
-          <a:p>
-            <a:r>
-              <a:rPr lang="en-US" altLang="ko-KR" sz="1600" dirty="0" smtClean="0"/>
-              <a:t>2628</a:t>
-            </a:r>
-            <a:endParaRPr lang="ko-KR" altLang="en-US" sz="1600" dirty="0"/>
-          </a:p>
-        </p:txBody>
-      </p:sp>
-      <p:sp>
-        <p:nvSpPr>
-          <p:cNvPr id="81" name="TextBox 80"/>
-          <p:cNvSpPr txBox="1"/>
-          <p:nvPr/>
-        </p:nvSpPr>
-        <p:spPr>
-          <a:xfrm>
-            <a:off x="4290232" y="5267463"/>
-            <a:ext cx="639919" cy="338554"/>
-          </a:xfrm>
-          <a:prstGeom prst="rect">
-            <a:avLst/>
-          </a:prstGeom>
-          <a:noFill/>
-          <a:ln>
-            <a:noFill/>
-          </a:ln>
-        </p:spPr>
-        <p:txBody>
-          <a:bodyPr wrap="none" rtlCol="0">
-            <a:spAutoFit/>
-          </a:bodyPr>
-          <a:lstStyle/>
-          <a:p>
-            <a:r>
-              <a:rPr lang="en-US" altLang="ko-KR" sz="1600" dirty="0" smtClean="0"/>
-              <a:t>2629</a:t>
-            </a:r>
-            <a:endParaRPr lang="ko-KR" altLang="en-US" sz="1600" dirty="0"/>
-          </a:p>
-        </p:txBody>
-      </p:sp>
-      <p:sp>
-        <p:nvSpPr>
-          <p:cNvPr id="82" name="TextBox 81"/>
-          <p:cNvSpPr txBox="1"/>
-          <p:nvPr/>
-        </p:nvSpPr>
-        <p:spPr>
-          <a:xfrm>
-            <a:off x="7608987" y="5682001"/>
-            <a:ext cx="639919" cy="338554"/>
-          </a:xfrm>
-          <a:prstGeom prst="rect">
-            <a:avLst/>
-          </a:prstGeom>
-          <a:noFill/>
-          <a:ln>
-            <a:noFill/>
-          </a:ln>
-        </p:spPr>
-        <p:txBody>
-          <a:bodyPr wrap="none" rtlCol="0">
-            <a:spAutoFit/>
-          </a:bodyPr>
-          <a:lstStyle/>
-          <a:p>
-            <a:r>
-              <a:rPr lang="en-US" altLang="ko-KR" sz="1600" dirty="0" smtClean="0"/>
-              <a:t>2615</a:t>
-            </a:r>
-            <a:endParaRPr lang="ko-KR" altLang="en-US" sz="1600" dirty="0"/>
-          </a:p>
-        </p:txBody>
-      </p:sp>
-      <p:sp>
-        <p:nvSpPr>
-          <p:cNvPr id="83" name="TextBox 82"/>
-          <p:cNvSpPr txBox="1"/>
-          <p:nvPr/>
-        </p:nvSpPr>
-        <p:spPr>
-          <a:xfrm>
-            <a:off x="5146251" y="3862438"/>
-            <a:ext cx="639919" cy="338554"/>
-          </a:xfrm>
-          <a:prstGeom prst="rect">
-            <a:avLst/>
-          </a:prstGeom>
-          <a:noFill/>
-          <a:ln>
-            <a:noFill/>
-          </a:ln>
-        </p:spPr>
-        <p:txBody>
-          <a:bodyPr wrap="none" rtlCol="0">
-            <a:spAutoFit/>
-          </a:bodyPr>
-          <a:lstStyle/>
-          <a:p>
-            <a:r>
-              <a:rPr lang="en-US" altLang="ko-KR" sz="1600" dirty="0" smtClean="0"/>
-              <a:t>2625</a:t>
-            </a:r>
-            <a:endParaRPr lang="ko-KR" altLang="en-US" sz="1600" dirty="0"/>
-          </a:p>
-        </p:txBody>
-      </p:sp>
-      <p:sp>
-        <p:nvSpPr>
-          <p:cNvPr id="84" name="TextBox 83"/>
-          <p:cNvSpPr txBox="1"/>
-          <p:nvPr/>
-        </p:nvSpPr>
-        <p:spPr>
-          <a:xfrm>
-            <a:off x="6049086" y="3855277"/>
-            <a:ext cx="639919" cy="338554"/>
-          </a:xfrm>
-          <a:prstGeom prst="rect">
-            <a:avLst/>
-          </a:prstGeom>
-          <a:noFill/>
-          <a:ln>
-            <a:noFill/>
-          </a:ln>
-        </p:spPr>
-        <p:txBody>
-          <a:bodyPr wrap="none" rtlCol="0">
-            <a:spAutoFit/>
-          </a:bodyPr>
-          <a:lstStyle/>
-          <a:p>
-            <a:r>
-              <a:rPr lang="en-US" altLang="ko-KR" sz="1600" dirty="0" smtClean="0"/>
-              <a:t>2626</a:t>
             </a:r>
             <a:endParaRPr lang="ko-KR" altLang="en-US" sz="1600" dirty="0"/>
           </a:p>
@@ -10731,7 +11238,7 @@
           <a:p>
             <a:r>
               <a:rPr lang="en-US" altLang="ko-KR" sz="1600" dirty="0" smtClean="0"/>
-              <a:t>2622</a:t>
+              <a:t>2623</a:t>
             </a:r>
             <a:endParaRPr lang="ko-KR" altLang="en-US" sz="1600" dirty="0"/>
           </a:p>
@@ -10764,7 +11271,7 @@
           <a:p>
             <a:r>
               <a:rPr lang="en-US" altLang="ko-KR" sz="1600" dirty="0" smtClean="0"/>
-              <a:t>2621</a:t>
+              <a:t>2622</a:t>
             </a:r>
             <a:endParaRPr lang="ko-KR" altLang="en-US" sz="1600" dirty="0"/>
           </a:p>
@@ -10832,7 +11339,7 @@
           <a:p>
             <a:r>
               <a:rPr lang="en-US" altLang="ko-KR" sz="1600" dirty="0" smtClean="0"/>
-              <a:t>2612</a:t>
+              <a:t>2613</a:t>
             </a:r>
             <a:endParaRPr lang="ko-KR" altLang="en-US" sz="1600" dirty="0"/>
           </a:p>
@@ -10865,7 +11372,7 @@
           <a:p>
             <a:r>
               <a:rPr lang="en-US" altLang="ko-KR" sz="1600" dirty="0" smtClean="0"/>
-              <a:t>2613</a:t>
+              <a:t>2614</a:t>
             </a:r>
             <a:endParaRPr lang="ko-KR" altLang="en-US" sz="1600" dirty="0"/>
           </a:p>
@@ -10898,7 +11405,7 @@
           <a:p>
             <a:r>
               <a:rPr lang="en-US" altLang="ko-KR" sz="1600" dirty="0" smtClean="0"/>
-              <a:t>2614</a:t>
+              <a:t>2615</a:t>
             </a:r>
             <a:endParaRPr lang="ko-KR" altLang="en-US" sz="1600" dirty="0"/>
           </a:p>
@@ -10961,7 +11468,7 @@
           <a:p>
             <a:r>
               <a:rPr lang="en-US" altLang="ko-KR" sz="1600" dirty="0" smtClean="0"/>
-              <a:t>2616</a:t>
+              <a:t>2617</a:t>
             </a:r>
             <a:endParaRPr lang="ko-KR" altLang="en-US" sz="1600" dirty="0"/>
           </a:p>
@@ -10994,7 +11501,7 @@
           <a:p>
             <a:r>
               <a:rPr lang="en-US" altLang="ko-KR" sz="1600" dirty="0" smtClean="0"/>
-              <a:t>2617</a:t>
+              <a:t>2618</a:t>
             </a:r>
             <a:endParaRPr lang="ko-KR" altLang="en-US" sz="1600" dirty="0"/>
           </a:p>
@@ -11027,7 +11534,7 @@
           <a:p>
             <a:r>
               <a:rPr lang="en-US" altLang="ko-KR" sz="1600" dirty="0" smtClean="0"/>
-              <a:t>2618</a:t>
+              <a:t>2619</a:t>
             </a:r>
             <a:endParaRPr lang="ko-KR" altLang="en-US" sz="1600" dirty="0"/>
           </a:p>
@@ -11060,7 +11567,7 @@
           <a:p>
             <a:r>
               <a:rPr lang="en-US" altLang="ko-KR" sz="1600" dirty="0" smtClean="0"/>
-              <a:t>2619</a:t>
+              <a:t>2620</a:t>
             </a:r>
             <a:endParaRPr lang="ko-KR" altLang="en-US" sz="1600" dirty="0"/>
           </a:p>
@@ -11093,12 +11600,300 @@
           <a:p>
             <a:r>
               <a:rPr lang="en-US" altLang="ko-KR" sz="1600" dirty="0" smtClean="0"/>
-              <a:t>2620</a:t>
-            </a:r>
-            <a:endParaRPr lang="ko-KR" altLang="en-US" sz="1600" dirty="0"/>
-          </a:p>
-        </p:txBody>
-      </p:sp>
+              <a:t>2621</a:t>
+            </a:r>
+            <a:endParaRPr lang="ko-KR" altLang="en-US" sz="1600" dirty="0"/>
+          </a:p>
+        </p:txBody>
+      </p:sp>
+      <p:cxnSp>
+        <p:nvCxnSpPr>
+          <p:cNvPr id="28" name="직선 화살표 연결선 27"/>
+          <p:cNvCxnSpPr/>
+          <p:nvPr/>
+        </p:nvCxnSpPr>
+        <p:spPr>
+          <a:xfrm flipV="1">
+            <a:off x="6601968" y="2313574"/>
+            <a:ext cx="0" cy="1010175"/>
+          </a:xfrm>
+          <a:prstGeom prst="straightConnector1">
+            <a:avLst/>
+          </a:prstGeom>
+          <a:ln w="28575">
+            <a:solidFill>
+              <a:schemeClr val="tx1"/>
+            </a:solidFill>
+            <a:tailEnd type="triangle"/>
+          </a:ln>
+        </p:spPr>
+        <p:style>
+          <a:lnRef idx="1">
+            <a:schemeClr val="accent1"/>
+          </a:lnRef>
+          <a:fillRef idx="0">
+            <a:schemeClr val="accent1"/>
+          </a:fillRef>
+          <a:effectRef idx="0">
+            <a:schemeClr val="accent1"/>
+          </a:effectRef>
+          <a:fontRef idx="minor">
+            <a:schemeClr val="tx1"/>
+          </a:fontRef>
+        </p:style>
+      </p:cxnSp>
+      <p:cxnSp>
+        <p:nvCxnSpPr>
+          <p:cNvPr id="29" name="직선 화살표 연결선 28"/>
+          <p:cNvCxnSpPr/>
+          <p:nvPr/>
+        </p:nvCxnSpPr>
+        <p:spPr>
+          <a:xfrm flipV="1">
+            <a:off x="7805006" y="3793526"/>
+            <a:ext cx="0" cy="1010175"/>
+          </a:xfrm>
+          <a:prstGeom prst="straightConnector1">
+            <a:avLst/>
+          </a:prstGeom>
+          <a:ln w="28575">
+            <a:solidFill>
+              <a:schemeClr val="tx1"/>
+            </a:solidFill>
+            <a:headEnd type="triangle" w="med" len="med"/>
+            <a:tailEnd type="none" w="med" len="med"/>
+          </a:ln>
+        </p:spPr>
+        <p:style>
+          <a:lnRef idx="1">
+            <a:schemeClr val="accent1"/>
+          </a:lnRef>
+          <a:fillRef idx="0">
+            <a:schemeClr val="accent1"/>
+          </a:fillRef>
+          <a:effectRef idx="0">
+            <a:schemeClr val="accent1"/>
+          </a:effectRef>
+          <a:fontRef idx="minor">
+            <a:schemeClr val="tx1"/>
+          </a:fontRef>
+        </p:style>
+      </p:cxnSp>
+      <p:cxnSp>
+        <p:nvCxnSpPr>
+          <p:cNvPr id="30" name="직선 화살표 연결선 29"/>
+          <p:cNvCxnSpPr/>
+          <p:nvPr/>
+        </p:nvCxnSpPr>
+        <p:spPr>
+          <a:xfrm>
+            <a:off x="6121404" y="981165"/>
+            <a:ext cx="480564" cy="0"/>
+          </a:xfrm>
+          <a:prstGeom prst="straightConnector1">
+            <a:avLst/>
+          </a:prstGeom>
+          <a:ln w="28575">
+            <a:solidFill>
+              <a:schemeClr val="tx1"/>
+            </a:solidFill>
+            <a:tailEnd type="triangle"/>
+          </a:ln>
+        </p:spPr>
+        <p:style>
+          <a:lnRef idx="1">
+            <a:schemeClr val="accent1"/>
+          </a:lnRef>
+          <a:fillRef idx="0">
+            <a:schemeClr val="accent1"/>
+          </a:fillRef>
+          <a:effectRef idx="0">
+            <a:schemeClr val="accent1"/>
+          </a:effectRef>
+          <a:fontRef idx="minor">
+            <a:schemeClr val="tx1"/>
+          </a:fontRef>
+        </p:style>
+      </p:cxnSp>
+      <p:sp>
+        <p:nvSpPr>
+          <p:cNvPr id="31" name="TextBox 30"/>
+          <p:cNvSpPr txBox="1"/>
+          <p:nvPr/>
+        </p:nvSpPr>
+        <p:spPr>
+          <a:xfrm>
+            <a:off x="6728508" y="1159697"/>
+            <a:ext cx="639919" cy="338554"/>
+          </a:xfrm>
+          <a:prstGeom prst="rect">
+            <a:avLst/>
+          </a:prstGeom>
+          <a:noFill/>
+          <a:ln>
+            <a:noFill/>
+          </a:ln>
+        </p:spPr>
+        <p:txBody>
+          <a:bodyPr wrap="none" rtlCol="0">
+            <a:spAutoFit/>
+          </a:bodyPr>
+          <a:lstStyle/>
+          <a:p>
+            <a:r>
+              <a:rPr lang="en-US" altLang="ko-KR" sz="1600" dirty="0" smtClean="0"/>
+              <a:t>2612</a:t>
+            </a:r>
+            <a:endParaRPr lang="ko-KR" altLang="en-US" sz="1600" dirty="0"/>
+          </a:p>
+        </p:txBody>
+      </p:sp>
+      <p:cxnSp>
+        <p:nvCxnSpPr>
+          <p:cNvPr id="32" name="직선 화살표 연결선 31"/>
+          <p:cNvCxnSpPr/>
+          <p:nvPr/>
+        </p:nvCxnSpPr>
+        <p:spPr>
+          <a:xfrm>
+            <a:off x="4290232" y="4315552"/>
+            <a:ext cx="480564" cy="0"/>
+          </a:xfrm>
+          <a:prstGeom prst="straightConnector1">
+            <a:avLst/>
+          </a:prstGeom>
+          <a:ln w="28575">
+            <a:solidFill>
+              <a:schemeClr val="tx1"/>
+            </a:solidFill>
+            <a:tailEnd type="triangle"/>
+          </a:ln>
+        </p:spPr>
+        <p:style>
+          <a:lnRef idx="1">
+            <a:schemeClr val="accent1"/>
+          </a:lnRef>
+          <a:fillRef idx="0">
+            <a:schemeClr val="accent1"/>
+          </a:fillRef>
+          <a:effectRef idx="0">
+            <a:schemeClr val="accent1"/>
+          </a:effectRef>
+          <a:fontRef idx="minor">
+            <a:schemeClr val="tx1"/>
+          </a:fontRef>
+        </p:style>
+      </p:cxnSp>
+      <p:cxnSp>
+        <p:nvCxnSpPr>
+          <p:cNvPr id="33" name="직선 화살표 연결선 32"/>
+          <p:cNvCxnSpPr/>
+          <p:nvPr/>
+        </p:nvCxnSpPr>
+        <p:spPr>
+          <a:xfrm flipV="1">
+            <a:off x="3135092" y="4803701"/>
+            <a:ext cx="0" cy="1010175"/>
+          </a:xfrm>
+          <a:prstGeom prst="straightConnector1">
+            <a:avLst/>
+          </a:prstGeom>
+          <a:ln w="28575">
+            <a:solidFill>
+              <a:schemeClr val="tx1"/>
+            </a:solidFill>
+            <a:tailEnd type="triangle"/>
+          </a:ln>
+        </p:spPr>
+        <p:style>
+          <a:lnRef idx="1">
+            <a:schemeClr val="accent1"/>
+          </a:lnRef>
+          <a:fillRef idx="0">
+            <a:schemeClr val="accent1"/>
+          </a:fillRef>
+          <a:effectRef idx="0">
+            <a:schemeClr val="accent1"/>
+          </a:effectRef>
+          <a:fontRef idx="minor">
+            <a:schemeClr val="tx1"/>
+          </a:fontRef>
+        </p:style>
+      </p:cxnSp>
+      <p:cxnSp>
+        <p:nvCxnSpPr>
+          <p:cNvPr id="34" name="직선 화살표 연결선 33"/>
+          <p:cNvCxnSpPr/>
+          <p:nvPr/>
+        </p:nvCxnSpPr>
+        <p:spPr>
+          <a:xfrm>
+            <a:off x="6192622" y="5066325"/>
+            <a:ext cx="480564" cy="0"/>
+          </a:xfrm>
+          <a:prstGeom prst="straightConnector1">
+            <a:avLst/>
+          </a:prstGeom>
+          <a:ln w="28575">
+            <a:solidFill>
+              <a:schemeClr val="tx1"/>
+            </a:solidFill>
+            <a:headEnd type="triangle" w="med" len="med"/>
+            <a:tailEnd type="none" w="med" len="med"/>
+          </a:ln>
+        </p:spPr>
+        <p:style>
+          <a:lnRef idx="1">
+            <a:schemeClr val="accent1"/>
+          </a:lnRef>
+          <a:fillRef idx="0">
+            <a:schemeClr val="accent1"/>
+          </a:fillRef>
+          <a:effectRef idx="0">
+            <a:schemeClr val="accent1"/>
+          </a:effectRef>
+          <a:fontRef idx="minor">
+            <a:schemeClr val="tx1"/>
+          </a:fontRef>
+        </p:style>
+      </p:cxnSp>
+      <p:cxnSp>
+        <p:nvCxnSpPr>
+          <p:cNvPr id="35" name="직선 화살표 연결선 34"/>
+          <p:cNvCxnSpPr/>
+          <p:nvPr/>
+        </p:nvCxnSpPr>
+        <p:spPr>
+          <a:xfrm flipV="1">
+            <a:off x="5079582" y="6246138"/>
+            <a:ext cx="2878672" cy="15886"/>
+          </a:xfrm>
+          <a:prstGeom prst="straightConnector1">
+            <a:avLst/>
+          </a:prstGeom>
+          <a:ln w="28575">
+            <a:solidFill>
+              <a:schemeClr val="tx1"/>
+            </a:solidFill>
+            <a:headEnd type="triangle" w="med" len="med"/>
+            <a:tailEnd type="none" w="med" len="med"/>
+          </a:ln>
+        </p:spPr>
+        <p:style>
+          <a:lnRef idx="1">
+            <a:schemeClr val="accent1"/>
+          </a:lnRef>
+          <a:fillRef idx="0">
+            <a:schemeClr val="accent1"/>
+          </a:fillRef>
+          <a:effectRef idx="0">
+            <a:schemeClr val="accent1"/>
+          </a:effectRef>
+          <a:fontRef idx="minor">
+            <a:schemeClr val="tx1"/>
+          </a:fontRef>
+        </p:style>
+      </p:cxnSp>
     </p:spTree>
     <p:extLst>
       <p:ext uri="{BB962C8B-B14F-4D97-AF65-F5344CB8AC3E}">
@@ -12105,6 +12900,225 @@
           </a:p>
         </p:txBody>
       </p:sp>
+      <p:cxnSp>
+        <p:nvCxnSpPr>
+          <p:cNvPr id="32" name="직선 화살표 연결선 31"/>
+          <p:cNvCxnSpPr/>
+          <p:nvPr/>
+        </p:nvCxnSpPr>
+        <p:spPr>
+          <a:xfrm flipV="1">
+            <a:off x="7013448" y="2086846"/>
+            <a:ext cx="0" cy="1010175"/>
+          </a:xfrm>
+          <a:prstGeom prst="straightConnector1">
+            <a:avLst/>
+          </a:prstGeom>
+          <a:ln w="28575">
+            <a:solidFill>
+              <a:schemeClr val="tx1"/>
+            </a:solidFill>
+            <a:tailEnd type="triangle"/>
+          </a:ln>
+        </p:spPr>
+        <p:style>
+          <a:lnRef idx="1">
+            <a:schemeClr val="accent1"/>
+          </a:lnRef>
+          <a:fillRef idx="0">
+            <a:schemeClr val="accent1"/>
+          </a:fillRef>
+          <a:effectRef idx="0">
+            <a:schemeClr val="accent1"/>
+          </a:effectRef>
+          <a:fontRef idx="minor">
+            <a:schemeClr val="tx1"/>
+          </a:fontRef>
+        </p:style>
+      </p:cxnSp>
+      <p:cxnSp>
+        <p:nvCxnSpPr>
+          <p:cNvPr id="33" name="직선 화살표 연결선 32"/>
+          <p:cNvCxnSpPr/>
+          <p:nvPr/>
+        </p:nvCxnSpPr>
+        <p:spPr>
+          <a:xfrm flipV="1">
+            <a:off x="7490418" y="2524788"/>
+            <a:ext cx="0" cy="1010175"/>
+          </a:xfrm>
+          <a:prstGeom prst="straightConnector1">
+            <a:avLst/>
+          </a:prstGeom>
+          <a:ln w="28575">
+            <a:solidFill>
+              <a:schemeClr val="tx1"/>
+            </a:solidFill>
+            <a:headEnd type="triangle" w="med" len="med"/>
+            <a:tailEnd type="none" w="med" len="med"/>
+          </a:ln>
+        </p:spPr>
+        <p:style>
+          <a:lnRef idx="1">
+            <a:schemeClr val="accent1"/>
+          </a:lnRef>
+          <a:fillRef idx="0">
+            <a:schemeClr val="accent1"/>
+          </a:fillRef>
+          <a:effectRef idx="0">
+            <a:schemeClr val="accent1"/>
+          </a:effectRef>
+          <a:fontRef idx="minor">
+            <a:schemeClr val="tx1"/>
+          </a:fontRef>
+        </p:style>
+      </p:cxnSp>
+      <p:cxnSp>
+        <p:nvCxnSpPr>
+          <p:cNvPr id="34" name="직선 화살표 연결선 33"/>
+          <p:cNvCxnSpPr/>
+          <p:nvPr/>
+        </p:nvCxnSpPr>
+        <p:spPr>
+          <a:xfrm>
+            <a:off x="5121557" y="3719352"/>
+            <a:ext cx="480564" cy="0"/>
+          </a:xfrm>
+          <a:prstGeom prst="straightConnector1">
+            <a:avLst/>
+          </a:prstGeom>
+          <a:ln w="28575">
+            <a:solidFill>
+              <a:schemeClr val="tx1"/>
+            </a:solidFill>
+            <a:tailEnd type="triangle"/>
+          </a:ln>
+        </p:spPr>
+        <p:style>
+          <a:lnRef idx="1">
+            <a:schemeClr val="accent1"/>
+          </a:lnRef>
+          <a:fillRef idx="0">
+            <a:schemeClr val="accent1"/>
+          </a:fillRef>
+          <a:effectRef idx="0">
+            <a:schemeClr val="accent1"/>
+          </a:effectRef>
+          <a:fontRef idx="minor">
+            <a:schemeClr val="tx1"/>
+          </a:fontRef>
+        </p:style>
+      </p:cxnSp>
+      <p:cxnSp>
+        <p:nvCxnSpPr>
+          <p:cNvPr id="35" name="직선 화살표 연결선 34"/>
+          <p:cNvCxnSpPr/>
+          <p:nvPr/>
+        </p:nvCxnSpPr>
+        <p:spPr>
+          <a:xfrm flipV="1">
+            <a:off x="4275452" y="4402213"/>
+            <a:ext cx="0" cy="1010175"/>
+          </a:xfrm>
+          <a:prstGeom prst="straightConnector1">
+            <a:avLst/>
+          </a:prstGeom>
+          <a:ln w="28575">
+            <a:solidFill>
+              <a:schemeClr val="tx1"/>
+            </a:solidFill>
+            <a:tailEnd type="triangle"/>
+          </a:ln>
+        </p:spPr>
+        <p:style>
+          <a:lnRef idx="1">
+            <a:schemeClr val="accent1"/>
+          </a:lnRef>
+          <a:fillRef idx="0">
+            <a:schemeClr val="accent1"/>
+          </a:fillRef>
+          <a:effectRef idx="0">
+            <a:schemeClr val="accent1"/>
+          </a:effectRef>
+          <a:fontRef idx="minor">
+            <a:schemeClr val="tx1"/>
+          </a:fontRef>
+        </p:style>
+      </p:cxnSp>
+      <p:cxnSp>
+        <p:nvCxnSpPr>
+          <p:cNvPr id="36" name="직선 화살표 연결선 35"/>
+          <p:cNvCxnSpPr/>
+          <p:nvPr/>
+        </p:nvCxnSpPr>
+        <p:spPr>
+          <a:xfrm>
+            <a:off x="6257303" y="5233111"/>
+            <a:ext cx="480564" cy="0"/>
+          </a:xfrm>
+          <a:prstGeom prst="straightConnector1">
+            <a:avLst/>
+          </a:prstGeom>
+          <a:ln w="28575">
+            <a:solidFill>
+              <a:schemeClr val="tx1"/>
+            </a:solidFill>
+            <a:headEnd type="triangle" w="med" len="med"/>
+            <a:tailEnd type="none" w="med" len="med"/>
+          </a:ln>
+        </p:spPr>
+        <p:style>
+          <a:lnRef idx="1">
+            <a:schemeClr val="accent1"/>
+          </a:lnRef>
+          <a:fillRef idx="0">
+            <a:schemeClr val="accent1"/>
+          </a:fillRef>
+          <a:effectRef idx="0">
+            <a:schemeClr val="accent1"/>
+          </a:effectRef>
+          <a:fontRef idx="minor">
+            <a:schemeClr val="tx1"/>
+          </a:fontRef>
+        </p:style>
+      </p:cxnSp>
+      <p:cxnSp>
+        <p:nvCxnSpPr>
+          <p:cNvPr id="37" name="직선 화살표 연결선 36"/>
+          <p:cNvCxnSpPr/>
+          <p:nvPr/>
+        </p:nvCxnSpPr>
+        <p:spPr>
+          <a:xfrm flipV="1">
+            <a:off x="5080551" y="5657543"/>
+            <a:ext cx="2878672" cy="15886"/>
+          </a:xfrm>
+          <a:prstGeom prst="straightConnector1">
+            <a:avLst/>
+          </a:prstGeom>
+          <a:ln w="28575">
+            <a:solidFill>
+              <a:schemeClr val="tx1"/>
+            </a:solidFill>
+            <a:headEnd type="triangle" w="med" len="med"/>
+            <a:tailEnd type="none" w="med" len="med"/>
+          </a:ln>
+        </p:spPr>
+        <p:style>
+          <a:lnRef idx="1">
+            <a:schemeClr val="accent1"/>
+          </a:lnRef>
+          <a:fillRef idx="0">
+            <a:schemeClr val="accent1"/>
+          </a:fillRef>
+          <a:effectRef idx="0">
+            <a:schemeClr val="accent1"/>
+          </a:effectRef>
+          <a:fontRef idx="minor">
+            <a:schemeClr val="tx1"/>
+          </a:fontRef>
+        </p:style>
+      </p:cxnSp>
     </p:spTree>
     <p:extLst>
       <p:ext uri="{BB962C8B-B14F-4D97-AF65-F5344CB8AC3E}">
@@ -12249,7 +13263,27 @@
           <a:p>
             <a:r>
               <a:rPr lang="en-US" altLang="ko-KR" b="1" dirty="0" smtClean="0"/>
-              <a:t>LGM : 2630 ~ 2645 (16)</a:t>
+              <a:t>LGM : </a:t>
+            </a:r>
+            <a:r>
+              <a:rPr lang="en-US" altLang="ko-KR" b="1" dirty="0" smtClean="0"/>
+              <a:t>2631 </a:t>
+            </a:r>
+            <a:r>
+              <a:rPr lang="en-US" altLang="ko-KR" b="1" dirty="0" smtClean="0"/>
+              <a:t>~ </a:t>
+            </a:r>
+            <a:r>
+              <a:rPr lang="en-US" altLang="ko-KR" b="1" dirty="0" smtClean="0"/>
+              <a:t>2643 </a:t>
+            </a:r>
+            <a:r>
+              <a:rPr lang="en-US" altLang="ko-KR" b="1" dirty="0" smtClean="0"/>
+              <a:t>(</a:t>
+            </a:r>
+            <a:r>
+              <a:rPr lang="en-US" altLang="ko-KR" b="1" dirty="0" smtClean="0"/>
+              <a:t>14)</a:t>
             </a:r>
             <a:endParaRPr lang="ko-KR" altLang="en-US" b="1" dirty="0"/>
           </a:p>
@@ -12271,6 +13305,109 @@
           </a:prstGeom>
           <a:noFill/>
           <a:ln>
+            <a:solidFill>
+              <a:schemeClr val="tx1"/>
+            </a:solidFill>
+          </a:ln>
+        </p:spPr>
+        <p:txBody>
+          <a:bodyPr wrap="none" rtlCol="0">
+            <a:spAutoFit/>
+          </a:bodyPr>
+          <a:lstStyle/>
+          <a:p>
+            <a:r>
+              <a:rPr lang="en-US" altLang="ko-KR" sz="1600" dirty="0" smtClean="0"/>
+              <a:t>2297</a:t>
+            </a:r>
+            <a:endParaRPr lang="ko-KR" altLang="en-US" sz="1600" dirty="0"/>
+          </a:p>
+        </p:txBody>
+      </p:sp>
+      <p:sp>
+        <p:nvSpPr>
+          <p:cNvPr id="124" name="TextBox 123"/>
+          <p:cNvSpPr txBox="1"/>
+          <p:nvPr/>
+        </p:nvSpPr>
+        <p:spPr>
+          <a:xfrm>
+            <a:off x="5109455" y="3585268"/>
+            <a:ext cx="639919" cy="338554"/>
+          </a:xfrm>
+          <a:prstGeom prst="rect">
+            <a:avLst/>
+          </a:prstGeom>
+          <a:noFill/>
+          <a:ln>
+            <a:solidFill>
+              <a:schemeClr val="tx1"/>
+            </a:solidFill>
+          </a:ln>
+        </p:spPr>
+        <p:txBody>
+          <a:bodyPr wrap="none" rtlCol="0">
+            <a:spAutoFit/>
+          </a:bodyPr>
+          <a:lstStyle/>
+          <a:p>
+            <a:r>
+              <a:rPr lang="en-US" altLang="ko-KR" sz="1600" dirty="0" smtClean="0"/>
+              <a:t>2259</a:t>
+            </a:r>
+            <a:endParaRPr lang="ko-KR" altLang="en-US" sz="1600" dirty="0"/>
+          </a:p>
+        </p:txBody>
+      </p:sp>
+      <p:sp>
+        <p:nvSpPr>
+          <p:cNvPr id="125" name="TextBox 124"/>
+          <p:cNvSpPr txBox="1"/>
+          <p:nvPr/>
+        </p:nvSpPr>
+        <p:spPr>
+          <a:xfrm>
+            <a:off x="5993683" y="5035759"/>
+            <a:ext cx="639919" cy="338554"/>
+          </a:xfrm>
+          <a:prstGeom prst="rect">
+            <a:avLst/>
+          </a:prstGeom>
+          <a:noFill/>
+          <a:ln>
+            <a:noFill/>
+          </a:ln>
+        </p:spPr>
+        <p:txBody>
+          <a:bodyPr wrap="none" rtlCol="0">
+            <a:spAutoFit/>
+          </a:bodyPr>
+          <a:lstStyle/>
+          <a:p>
+            <a:r>
+              <a:rPr lang="en-US" altLang="ko-KR" sz="1600" dirty="0" smtClean="0"/>
+              <a:t>2642</a:t>
+            </a:r>
+            <a:endParaRPr lang="ko-KR" altLang="en-US" sz="1600" dirty="0"/>
+          </a:p>
+        </p:txBody>
+      </p:sp>
+      <p:sp>
+        <p:nvSpPr>
+          <p:cNvPr id="126" name="TextBox 125"/>
+          <p:cNvSpPr txBox="1"/>
+          <p:nvPr/>
+        </p:nvSpPr>
+        <p:spPr>
+          <a:xfrm>
+            <a:off x="5134833" y="5035759"/>
+            <a:ext cx="639919" cy="338554"/>
+          </a:xfrm>
+          <a:prstGeom prst="rect">
+            <a:avLst/>
+          </a:prstGeom>
+          <a:noFill/>
+          <a:ln>
             <a:noFill/>
           </a:ln>
         </p:spPr>
@@ -12283,105 +13420,6 @@
             <a:r>
               <a:rPr lang="en-US" altLang="ko-KR" sz="1600" dirty="0" smtClean="0"/>
               <a:t>2643</a:t>
-            </a:r>
-            <a:endParaRPr lang="ko-KR" altLang="en-US" sz="1600" dirty="0"/>
-          </a:p>
-        </p:txBody>
-      </p:sp>
-      <p:sp>
-        <p:nvSpPr>
-          <p:cNvPr id="124" name="TextBox 123"/>
-          <p:cNvSpPr txBox="1"/>
-          <p:nvPr/>
-        </p:nvSpPr>
-        <p:spPr>
-          <a:xfrm>
-            <a:off x="5109455" y="3585268"/>
-            <a:ext cx="639919" cy="338554"/>
-          </a:xfrm>
-          <a:prstGeom prst="rect">
-            <a:avLst/>
-          </a:prstGeom>
-          <a:noFill/>
-          <a:ln>
-            <a:noFill/>
-          </a:ln>
-        </p:spPr>
-        <p:txBody>
-          <a:bodyPr wrap="none" rtlCol="0">
-            <a:spAutoFit/>
-          </a:bodyPr>
-          <a:lstStyle/>
-          <a:p>
-            <a:r>
-              <a:rPr lang="en-US" altLang="ko-KR" sz="1600" dirty="0" smtClean="0"/>
-              <a:t>2642</a:t>
-            </a:r>
-            <a:endParaRPr lang="ko-KR" altLang="en-US" sz="1600" dirty="0"/>
-          </a:p>
-        </p:txBody>
-      </p:sp>
-      <p:sp>
-        <p:nvSpPr>
-          <p:cNvPr id="125" name="TextBox 124"/>
-          <p:cNvSpPr txBox="1"/>
-          <p:nvPr/>
-        </p:nvSpPr>
-        <p:spPr>
-          <a:xfrm>
-            <a:off x="5993683" y="5035759"/>
-            <a:ext cx="639919" cy="338554"/>
-          </a:xfrm>
-          <a:prstGeom prst="rect">
-            <a:avLst/>
-          </a:prstGeom>
-          <a:noFill/>
-          <a:ln>
-            <a:noFill/>
-          </a:ln>
-        </p:spPr>
-        <p:txBody>
-          <a:bodyPr wrap="none" rtlCol="0">
-            <a:spAutoFit/>
-          </a:bodyPr>
-          <a:lstStyle/>
-          <a:p>
-            <a:r>
-              <a:rPr lang="en-US" altLang="ko-KR" sz="1600" dirty="0" smtClean="0"/>
-              <a:t>2644</a:t>
-            </a:r>
-            <a:endParaRPr lang="ko-KR" altLang="en-US" sz="1600" dirty="0"/>
-          </a:p>
-        </p:txBody>
-      </p:sp>
-      <p:sp>
-        <p:nvSpPr>
-          <p:cNvPr id="126" name="TextBox 125"/>
-          <p:cNvSpPr txBox="1"/>
-          <p:nvPr/>
-        </p:nvSpPr>
-        <p:spPr>
-          <a:xfrm>
-            <a:off x="5134833" y="5035759"/>
-            <a:ext cx="639919" cy="338554"/>
-          </a:xfrm>
-          <a:prstGeom prst="rect">
-            <a:avLst/>
-          </a:prstGeom>
-          <a:noFill/>
-          <a:ln>
-            <a:noFill/>
-          </a:ln>
-        </p:spPr>
-        <p:txBody>
-          <a:bodyPr wrap="none" rtlCol="0">
-            <a:spAutoFit/>
-          </a:bodyPr>
-          <a:lstStyle/>
-          <a:p>
-            <a:r>
-              <a:rPr lang="en-US" altLang="ko-KR" sz="1600" dirty="0" smtClean="0"/>
-              <a:t>2645</a:t>
             </a:r>
             <a:endParaRPr lang="ko-KR" altLang="en-US" sz="1600" dirty="0"/>
           </a:p>
@@ -12699,19 +13737,21 @@
             <a:avLst/>
           </a:prstGeom>
           <a:noFill/>
-          <a:ln>
-            <a:noFill/>
-          </a:ln>
-        </p:spPr>
-        <p:txBody>
-          <a:bodyPr wrap="none" rtlCol="0">
-            <a:spAutoFit/>
-          </a:bodyPr>
-          <a:lstStyle/>
-          <a:p>
-            <a:r>
-              <a:rPr lang="en-US" altLang="ko-KR" sz="1600" dirty="0" smtClean="0"/>
-              <a:t>2630</a:t>
+          <a:ln w="28575">
+            <a:solidFill>
+              <a:schemeClr val="tx1"/>
+            </a:solidFill>
+          </a:ln>
+        </p:spPr>
+        <p:txBody>
+          <a:bodyPr wrap="none" rtlCol="0">
+            <a:spAutoFit/>
+          </a:bodyPr>
+          <a:lstStyle/>
+          <a:p>
+            <a:r>
+              <a:rPr lang="en-US" altLang="ko-KR" sz="1600" dirty="0" smtClean="0"/>
+              <a:t>2658</a:t>
             </a:r>
             <a:endParaRPr lang="ko-KR" altLang="en-US" sz="1600" dirty="0"/>
           </a:p>
@@ -12810,6 +13850,300 @@
               <a:t>[ LGM Serial Number ]</a:t>
             </a:r>
             <a:endParaRPr lang="ko-KR" altLang="en-US" sz="2000" b="1" dirty="0"/>
+          </a:p>
+        </p:txBody>
+      </p:sp>
+      <p:cxnSp>
+        <p:nvCxnSpPr>
+          <p:cNvPr id="23" name="직선 화살표 연결선 22"/>
+          <p:cNvCxnSpPr/>
+          <p:nvPr/>
+        </p:nvCxnSpPr>
+        <p:spPr>
+          <a:xfrm flipV="1">
+            <a:off x="6610511" y="2064775"/>
+            <a:ext cx="0" cy="1010175"/>
+          </a:xfrm>
+          <a:prstGeom prst="straightConnector1">
+            <a:avLst/>
+          </a:prstGeom>
+          <a:ln w="28575">
+            <a:solidFill>
+              <a:schemeClr val="tx1"/>
+            </a:solidFill>
+            <a:tailEnd type="triangle"/>
+          </a:ln>
+        </p:spPr>
+        <p:style>
+          <a:lnRef idx="1">
+            <a:schemeClr val="accent1"/>
+          </a:lnRef>
+          <a:fillRef idx="0">
+            <a:schemeClr val="accent1"/>
+          </a:fillRef>
+          <a:effectRef idx="0">
+            <a:schemeClr val="accent1"/>
+          </a:effectRef>
+          <a:fontRef idx="minor">
+            <a:schemeClr val="tx1"/>
+          </a:fontRef>
+        </p:style>
+      </p:cxnSp>
+      <p:cxnSp>
+        <p:nvCxnSpPr>
+          <p:cNvPr id="24" name="직선 화살표 연결선 23"/>
+          <p:cNvCxnSpPr/>
+          <p:nvPr/>
+        </p:nvCxnSpPr>
+        <p:spPr>
+          <a:xfrm flipV="1">
+            <a:off x="7820467" y="2389033"/>
+            <a:ext cx="0" cy="1010175"/>
+          </a:xfrm>
+          <a:prstGeom prst="straightConnector1">
+            <a:avLst/>
+          </a:prstGeom>
+          <a:ln w="28575">
+            <a:solidFill>
+              <a:schemeClr val="tx1"/>
+            </a:solidFill>
+            <a:headEnd type="triangle" w="med" len="med"/>
+            <a:tailEnd type="none" w="med" len="med"/>
+          </a:ln>
+        </p:spPr>
+        <p:style>
+          <a:lnRef idx="1">
+            <a:schemeClr val="accent1"/>
+          </a:lnRef>
+          <a:fillRef idx="0">
+            <a:schemeClr val="accent1"/>
+          </a:fillRef>
+          <a:effectRef idx="0">
+            <a:schemeClr val="accent1"/>
+          </a:effectRef>
+          <a:fontRef idx="minor">
+            <a:schemeClr val="tx1"/>
+          </a:fontRef>
+        </p:style>
+      </p:cxnSp>
+      <p:sp>
+        <p:nvSpPr>
+          <p:cNvPr id="25" name="TextBox 24"/>
+          <p:cNvSpPr txBox="1"/>
+          <p:nvPr/>
+        </p:nvSpPr>
+        <p:spPr>
+          <a:xfrm>
+            <a:off x="9214450" y="3845582"/>
+            <a:ext cx="2690160" cy="369332"/>
+          </a:xfrm>
+          <a:prstGeom prst="rect">
+            <a:avLst/>
+          </a:prstGeom>
+          <a:noFill/>
+        </p:spPr>
+        <p:txBody>
+          <a:bodyPr wrap="none" rtlCol="0">
+            <a:spAutoFit/>
+          </a:bodyPr>
+          <a:lstStyle/>
+          <a:p>
+            <a:r>
+              <a:rPr lang="ko-KR" altLang="en-US" b="1" dirty="0" smtClean="0"/>
+              <a:t>장애인 </a:t>
+            </a:r>
+            <a:r>
+              <a:rPr lang="en-US" altLang="ko-KR" b="1" dirty="0" smtClean="0"/>
+              <a:t>: 2259,2297 </a:t>
+            </a:r>
+            <a:r>
+              <a:rPr lang="en-US" altLang="ko-KR" b="1" dirty="0" smtClean="0"/>
+              <a:t> (2)</a:t>
+            </a:r>
+            <a:endParaRPr lang="ko-KR" altLang="en-US" b="1" dirty="0"/>
+          </a:p>
+        </p:txBody>
+      </p:sp>
+      <p:cxnSp>
+        <p:nvCxnSpPr>
+          <p:cNvPr id="26" name="직선 화살표 연결선 25"/>
+          <p:cNvCxnSpPr/>
+          <p:nvPr/>
+        </p:nvCxnSpPr>
+        <p:spPr>
+          <a:xfrm>
+            <a:off x="5109455" y="4030248"/>
+            <a:ext cx="480564" cy="0"/>
+          </a:xfrm>
+          <a:prstGeom prst="straightConnector1">
+            <a:avLst/>
+          </a:prstGeom>
+          <a:ln w="28575">
+            <a:solidFill>
+              <a:schemeClr val="tx1"/>
+            </a:solidFill>
+            <a:tailEnd type="triangle"/>
+          </a:ln>
+        </p:spPr>
+        <p:style>
+          <a:lnRef idx="1">
+            <a:schemeClr val="accent1"/>
+          </a:lnRef>
+          <a:fillRef idx="0">
+            <a:schemeClr val="accent1"/>
+          </a:fillRef>
+          <a:effectRef idx="0">
+            <a:schemeClr val="accent1"/>
+          </a:effectRef>
+          <a:fontRef idx="minor">
+            <a:schemeClr val="tx1"/>
+          </a:fontRef>
+        </p:style>
+      </p:cxnSp>
+      <p:cxnSp>
+        <p:nvCxnSpPr>
+          <p:cNvPr id="27" name="직선 화살표 연결선 26"/>
+          <p:cNvCxnSpPr/>
+          <p:nvPr/>
+        </p:nvCxnSpPr>
+        <p:spPr>
+          <a:xfrm flipV="1">
+            <a:off x="3976340" y="4626371"/>
+            <a:ext cx="0" cy="1010175"/>
+          </a:xfrm>
+          <a:prstGeom prst="straightConnector1">
+            <a:avLst/>
+          </a:prstGeom>
+          <a:ln w="28575">
+            <a:solidFill>
+              <a:schemeClr val="tx1"/>
+            </a:solidFill>
+            <a:tailEnd type="triangle"/>
+          </a:ln>
+        </p:spPr>
+        <p:style>
+          <a:lnRef idx="1">
+            <a:schemeClr val="accent1"/>
+          </a:lnRef>
+          <a:fillRef idx="0">
+            <a:schemeClr val="accent1"/>
+          </a:fillRef>
+          <a:effectRef idx="0">
+            <a:schemeClr val="accent1"/>
+          </a:effectRef>
+          <a:fontRef idx="minor">
+            <a:schemeClr val="tx1"/>
+          </a:fontRef>
+        </p:style>
+      </p:cxnSp>
+      <p:cxnSp>
+        <p:nvCxnSpPr>
+          <p:cNvPr id="28" name="직선 화살표 연결선 27"/>
+          <p:cNvCxnSpPr/>
+          <p:nvPr/>
+        </p:nvCxnSpPr>
+        <p:spPr>
+          <a:xfrm>
+            <a:off x="6153038" y="4975812"/>
+            <a:ext cx="480564" cy="0"/>
+          </a:xfrm>
+          <a:prstGeom prst="straightConnector1">
+            <a:avLst/>
+          </a:prstGeom>
+          <a:ln w="28575">
+            <a:solidFill>
+              <a:schemeClr val="tx1"/>
+            </a:solidFill>
+            <a:headEnd type="triangle" w="med" len="med"/>
+            <a:tailEnd type="none" w="med" len="med"/>
+          </a:ln>
+        </p:spPr>
+        <p:style>
+          <a:lnRef idx="1">
+            <a:schemeClr val="accent1"/>
+          </a:lnRef>
+          <a:fillRef idx="0">
+            <a:schemeClr val="accent1"/>
+          </a:fillRef>
+          <a:effectRef idx="0">
+            <a:schemeClr val="accent1"/>
+          </a:effectRef>
+          <a:fontRef idx="minor">
+            <a:schemeClr val="tx1"/>
+          </a:fontRef>
+        </p:style>
+      </p:cxnSp>
+      <p:cxnSp>
+        <p:nvCxnSpPr>
+          <p:cNvPr id="29" name="직선 화살표 연결선 28"/>
+          <p:cNvCxnSpPr/>
+          <p:nvPr/>
+        </p:nvCxnSpPr>
+        <p:spPr>
+          <a:xfrm flipV="1">
+            <a:off x="5087126" y="6052985"/>
+            <a:ext cx="2878672" cy="15886"/>
+          </a:xfrm>
+          <a:prstGeom prst="straightConnector1">
+            <a:avLst/>
+          </a:prstGeom>
+          <a:ln w="28575">
+            <a:solidFill>
+              <a:schemeClr val="tx1"/>
+            </a:solidFill>
+            <a:headEnd type="triangle" w="med" len="med"/>
+            <a:tailEnd type="none" w="med" len="med"/>
+          </a:ln>
+        </p:spPr>
+        <p:style>
+          <a:lnRef idx="1">
+            <a:schemeClr val="accent1"/>
+          </a:lnRef>
+          <a:fillRef idx="0">
+            <a:schemeClr val="accent1"/>
+          </a:fillRef>
+          <a:effectRef idx="0">
+            <a:schemeClr val="accent1"/>
+          </a:effectRef>
+          <a:fontRef idx="minor">
+            <a:schemeClr val="tx1"/>
+          </a:fontRef>
+        </p:style>
+      </p:cxnSp>
+      <p:sp>
+        <p:nvSpPr>
+          <p:cNvPr id="30" name="TextBox 29"/>
+          <p:cNvSpPr txBox="1"/>
+          <p:nvPr/>
+        </p:nvSpPr>
+        <p:spPr>
+          <a:xfrm>
+            <a:off x="9973951" y="3393421"/>
+            <a:ext cx="914033" cy="338554"/>
+          </a:xfrm>
+          <a:prstGeom prst="rect">
+            <a:avLst/>
+          </a:prstGeom>
+          <a:noFill/>
+          <a:ln>
+            <a:noFill/>
+          </a:ln>
+        </p:spPr>
+        <p:txBody>
+          <a:bodyPr wrap="none" rtlCol="0">
+            <a:spAutoFit/>
+          </a:bodyPr>
+          <a:lstStyle/>
+          <a:p>
+            <a:r>
+              <a:rPr lang="en-US" altLang="ko-KR" sz="1600" b="1" dirty="0" smtClean="0"/>
+              <a:t>2658(1</a:t>
+            </a:r>
+            <a:r>
+              <a:rPr lang="en-US" altLang="ko-KR" sz="1600" dirty="0" smtClean="0"/>
+              <a:t>)</a:t>
+            </a:r>
+            <a:endParaRPr lang="ko-KR" altLang="en-US" sz="1600" dirty="0"/>
           </a:p>
         </p:txBody>
       </p:sp>
@@ -12971,8 +14305,8 @@
         </p:nvSpPr>
         <p:spPr>
           <a:xfrm>
-            <a:off x="9880252" y="3434950"/>
-            <a:ext cx="2093843" cy="369332"/>
+            <a:off x="9894560" y="3952986"/>
+            <a:ext cx="1694695" cy="369332"/>
           </a:xfrm>
           <a:prstGeom prst="rect">
             <a:avLst/>
@@ -12987,7 +14321,15 @@
           <a:p>
             <a:r>
               <a:rPr lang="en-US" altLang="ko-KR" b="1" dirty="0" smtClean="0"/>
-              <a:t>7082 ~ 7110 (29)</a:t>
+              <a:t>3 </a:t>
+            </a:r>
+            <a:r>
+              <a:rPr lang="en-US" altLang="ko-KR" b="1" dirty="0" smtClean="0"/>
+              <a:t>~ </a:t>
+            </a:r>
+            <a:r>
+              <a:rPr lang="en-US" altLang="ko-KR" b="1" dirty="0" smtClean="0"/>
+              <a:t>8657 (33)</a:t>
             </a:r>
             <a:endParaRPr lang="ko-KR" altLang="en-US" b="1" dirty="0"/>
           </a:p>
@@ -13076,19 +14418,21 @@
             <a:avLst/>
           </a:prstGeom>
           <a:noFill/>
-          <a:ln>
-            <a:noFill/>
-          </a:ln>
-        </p:spPr>
-        <p:txBody>
-          <a:bodyPr wrap="none" rtlCol="0">
-            <a:spAutoFit/>
-          </a:bodyPr>
-          <a:lstStyle/>
-          <a:p>
-            <a:r>
-              <a:rPr lang="en-US" altLang="ko-KR" sz="1600" dirty="0" smtClean="0"/>
-              <a:t>7115</a:t>
+          <a:ln w="28575">
+            <a:solidFill>
+              <a:schemeClr val="tx1"/>
+            </a:solidFill>
+          </a:ln>
+        </p:spPr>
+        <p:txBody>
+          <a:bodyPr wrap="none" rtlCol="0">
+            <a:spAutoFit/>
+          </a:bodyPr>
+          <a:lstStyle/>
+          <a:p>
+            <a:r>
+              <a:rPr lang="en-US" altLang="ko-KR" sz="1600" dirty="0" smtClean="0"/>
+              <a:t>8673</a:t>
             </a:r>
             <a:endParaRPr lang="ko-KR" altLang="en-US" sz="1600" dirty="0"/>
           </a:p>
@@ -13253,6 +14597,1349 @@
               <a:t>[ USM Serial Number ]</a:t>
             </a:r>
             <a:endParaRPr lang="ko-KR" altLang="en-US" sz="2000" b="1" dirty="0"/>
+          </a:p>
+        </p:txBody>
+      </p:sp>
+      <p:sp>
+        <p:nvSpPr>
+          <p:cNvPr id="15" name="TextBox 14"/>
+          <p:cNvSpPr txBox="1"/>
+          <p:nvPr/>
+        </p:nvSpPr>
+        <p:spPr>
+          <a:xfrm>
+            <a:off x="7672201" y="4003145"/>
+            <a:ext cx="298480" cy="338554"/>
+          </a:xfrm>
+          <a:prstGeom prst="rect">
+            <a:avLst/>
+          </a:prstGeom>
+          <a:noFill/>
+          <a:ln w="28575">
+            <a:solidFill>
+              <a:schemeClr val="tx1"/>
+            </a:solidFill>
+          </a:ln>
+        </p:spPr>
+        <p:txBody>
+          <a:bodyPr wrap="none" rtlCol="0">
+            <a:spAutoFit/>
+          </a:bodyPr>
+          <a:lstStyle/>
+          <a:p>
+            <a:r>
+              <a:rPr lang="en-US" altLang="ko-KR" sz="1600" dirty="0" smtClean="0"/>
+              <a:t>3</a:t>
+            </a:r>
+            <a:endParaRPr lang="ko-KR" altLang="en-US" sz="1600" dirty="0"/>
+          </a:p>
+        </p:txBody>
+      </p:sp>
+      <p:sp>
+        <p:nvSpPr>
+          <p:cNvPr id="16" name="TextBox 15"/>
+          <p:cNvSpPr txBox="1"/>
+          <p:nvPr/>
+        </p:nvSpPr>
+        <p:spPr>
+          <a:xfrm>
+            <a:off x="7662010" y="4592591"/>
+            <a:ext cx="298480" cy="338554"/>
+          </a:xfrm>
+          <a:prstGeom prst="rect">
+            <a:avLst/>
+          </a:prstGeom>
+          <a:noFill/>
+          <a:ln>
+            <a:noFill/>
+          </a:ln>
+        </p:spPr>
+        <p:txBody>
+          <a:bodyPr wrap="none" rtlCol="0">
+            <a:spAutoFit/>
+          </a:bodyPr>
+          <a:lstStyle/>
+          <a:p>
+            <a:r>
+              <a:rPr lang="en-US" altLang="ko-KR" sz="1600" dirty="0"/>
+              <a:t>6</a:t>
+            </a:r>
+            <a:endParaRPr lang="ko-KR" altLang="en-US" sz="1600" dirty="0"/>
+          </a:p>
+        </p:txBody>
+      </p:sp>
+      <p:sp>
+        <p:nvSpPr>
+          <p:cNvPr id="17" name="TextBox 16"/>
+          <p:cNvSpPr txBox="1"/>
+          <p:nvPr/>
+        </p:nvSpPr>
+        <p:spPr>
+          <a:xfrm>
+            <a:off x="7672201" y="4845128"/>
+            <a:ext cx="298480" cy="338554"/>
+          </a:xfrm>
+          <a:prstGeom prst="rect">
+            <a:avLst/>
+          </a:prstGeom>
+          <a:noFill/>
+          <a:ln>
+            <a:noFill/>
+          </a:ln>
+        </p:spPr>
+        <p:txBody>
+          <a:bodyPr wrap="none" rtlCol="0">
+            <a:spAutoFit/>
+          </a:bodyPr>
+          <a:lstStyle/>
+          <a:p>
+            <a:r>
+              <a:rPr lang="en-US" altLang="ko-KR" sz="1600" dirty="0" smtClean="0"/>
+              <a:t>7</a:t>
+            </a:r>
+            <a:endParaRPr lang="ko-KR" altLang="en-US" sz="1600" dirty="0"/>
+          </a:p>
+        </p:txBody>
+      </p:sp>
+      <p:sp>
+        <p:nvSpPr>
+          <p:cNvPr id="18" name="TextBox 17"/>
+          <p:cNvSpPr txBox="1"/>
+          <p:nvPr/>
+        </p:nvSpPr>
+        <p:spPr>
+          <a:xfrm>
+            <a:off x="7811250" y="5896737"/>
+            <a:ext cx="298480" cy="338554"/>
+          </a:xfrm>
+          <a:prstGeom prst="rect">
+            <a:avLst/>
+          </a:prstGeom>
+          <a:noFill/>
+          <a:ln>
+            <a:noFill/>
+          </a:ln>
+        </p:spPr>
+        <p:txBody>
+          <a:bodyPr wrap="none" rtlCol="0">
+            <a:spAutoFit/>
+          </a:bodyPr>
+          <a:lstStyle/>
+          <a:p>
+            <a:r>
+              <a:rPr lang="en-US" altLang="ko-KR" sz="1600" dirty="0" smtClean="0"/>
+              <a:t>9</a:t>
+            </a:r>
+            <a:endParaRPr lang="ko-KR" altLang="en-US" sz="1600" dirty="0"/>
+          </a:p>
+        </p:txBody>
+      </p:sp>
+      <p:sp>
+        <p:nvSpPr>
+          <p:cNvPr id="19" name="TextBox 18"/>
+          <p:cNvSpPr txBox="1"/>
+          <p:nvPr/>
+        </p:nvSpPr>
+        <p:spPr>
+          <a:xfrm>
+            <a:off x="7268899" y="5997719"/>
+            <a:ext cx="412292" cy="338554"/>
+          </a:xfrm>
+          <a:prstGeom prst="rect">
+            <a:avLst/>
+          </a:prstGeom>
+          <a:noFill/>
+          <a:ln>
+            <a:noFill/>
+          </a:ln>
+        </p:spPr>
+        <p:txBody>
+          <a:bodyPr wrap="none" rtlCol="0">
+            <a:spAutoFit/>
+          </a:bodyPr>
+          <a:lstStyle/>
+          <a:p>
+            <a:r>
+              <a:rPr lang="en-US" altLang="ko-KR" sz="1600" dirty="0" smtClean="0"/>
+              <a:t>10</a:t>
+            </a:r>
+            <a:endParaRPr lang="ko-KR" altLang="en-US" sz="1600" dirty="0"/>
+          </a:p>
+        </p:txBody>
+      </p:sp>
+      <p:sp>
+        <p:nvSpPr>
+          <p:cNvPr id="20" name="TextBox 19"/>
+          <p:cNvSpPr txBox="1"/>
+          <p:nvPr/>
+        </p:nvSpPr>
+        <p:spPr>
+          <a:xfrm rot="16200000">
+            <a:off x="3927132" y="6031690"/>
+            <a:ext cx="639919" cy="338554"/>
+          </a:xfrm>
+          <a:prstGeom prst="rect">
+            <a:avLst/>
+          </a:prstGeom>
+          <a:noFill/>
+          <a:ln>
+            <a:noFill/>
+          </a:ln>
+        </p:spPr>
+        <p:txBody>
+          <a:bodyPr wrap="none" rtlCol="0">
+            <a:spAutoFit/>
+          </a:bodyPr>
+          <a:lstStyle/>
+          <a:p>
+            <a:r>
+              <a:rPr lang="en-US" altLang="ko-KR" sz="1600" dirty="0" smtClean="0"/>
+              <a:t>6398</a:t>
+            </a:r>
+            <a:endParaRPr lang="ko-KR" altLang="en-US" sz="1600" dirty="0"/>
+          </a:p>
+        </p:txBody>
+      </p:sp>
+      <p:sp>
+        <p:nvSpPr>
+          <p:cNvPr id="21" name="TextBox 20"/>
+          <p:cNvSpPr txBox="1"/>
+          <p:nvPr/>
+        </p:nvSpPr>
+        <p:spPr>
+          <a:xfrm rot="16200000">
+            <a:off x="4800950" y="6031690"/>
+            <a:ext cx="639919" cy="338554"/>
+          </a:xfrm>
+          <a:prstGeom prst="rect">
+            <a:avLst/>
+          </a:prstGeom>
+          <a:noFill/>
+          <a:ln>
+            <a:noFill/>
+          </a:ln>
+        </p:spPr>
+        <p:txBody>
+          <a:bodyPr wrap="none" rtlCol="0">
+            <a:spAutoFit/>
+          </a:bodyPr>
+          <a:lstStyle/>
+          <a:p>
+            <a:r>
+              <a:rPr lang="en-US" altLang="ko-KR" sz="1600" dirty="0" smtClean="0"/>
+              <a:t>4129</a:t>
+            </a:r>
+            <a:endParaRPr lang="ko-KR" altLang="en-US" sz="1600" dirty="0"/>
+          </a:p>
+        </p:txBody>
+      </p:sp>
+      <p:sp>
+        <p:nvSpPr>
+          <p:cNvPr id="22" name="TextBox 21"/>
+          <p:cNvSpPr txBox="1"/>
+          <p:nvPr/>
+        </p:nvSpPr>
+        <p:spPr>
+          <a:xfrm rot="16200000">
+            <a:off x="5059863" y="6025074"/>
+            <a:ext cx="639919" cy="338554"/>
+          </a:xfrm>
+          <a:prstGeom prst="rect">
+            <a:avLst/>
+          </a:prstGeom>
+          <a:noFill/>
+          <a:ln>
+            <a:noFill/>
+          </a:ln>
+        </p:spPr>
+        <p:txBody>
+          <a:bodyPr wrap="none" rtlCol="0">
+            <a:spAutoFit/>
+          </a:bodyPr>
+          <a:lstStyle/>
+          <a:p>
+            <a:r>
+              <a:rPr lang="en-US" altLang="ko-KR" sz="1600" dirty="0" smtClean="0"/>
+              <a:t>3751</a:t>
+            </a:r>
+            <a:endParaRPr lang="ko-KR" altLang="en-US" sz="1600" dirty="0"/>
+          </a:p>
+        </p:txBody>
+      </p:sp>
+      <p:sp>
+        <p:nvSpPr>
+          <p:cNvPr id="23" name="TextBox 22"/>
+          <p:cNvSpPr txBox="1"/>
+          <p:nvPr/>
+        </p:nvSpPr>
+        <p:spPr>
+          <a:xfrm rot="16200000">
+            <a:off x="5343872" y="6025074"/>
+            <a:ext cx="639919" cy="338554"/>
+          </a:xfrm>
+          <a:prstGeom prst="rect">
+            <a:avLst/>
+          </a:prstGeom>
+          <a:noFill/>
+          <a:ln>
+            <a:noFill/>
+          </a:ln>
+        </p:spPr>
+        <p:txBody>
+          <a:bodyPr wrap="none" rtlCol="0">
+            <a:spAutoFit/>
+          </a:bodyPr>
+          <a:lstStyle/>
+          <a:p>
+            <a:r>
+              <a:rPr lang="en-US" altLang="ko-KR" sz="1600" dirty="0" smtClean="0"/>
+              <a:t>3628</a:t>
+            </a:r>
+            <a:endParaRPr lang="ko-KR" altLang="en-US" sz="1600" dirty="0"/>
+          </a:p>
+        </p:txBody>
+      </p:sp>
+      <p:sp>
+        <p:nvSpPr>
+          <p:cNvPr id="24" name="TextBox 23"/>
+          <p:cNvSpPr txBox="1"/>
+          <p:nvPr/>
+        </p:nvSpPr>
+        <p:spPr>
+          <a:xfrm rot="16200000">
+            <a:off x="5688797" y="6013255"/>
+            <a:ext cx="639919" cy="338554"/>
+          </a:xfrm>
+          <a:prstGeom prst="rect">
+            <a:avLst/>
+          </a:prstGeom>
+          <a:noFill/>
+          <a:ln>
+            <a:noFill/>
+          </a:ln>
+        </p:spPr>
+        <p:txBody>
+          <a:bodyPr wrap="none" rtlCol="0">
+            <a:spAutoFit/>
+          </a:bodyPr>
+          <a:lstStyle/>
+          <a:p>
+            <a:r>
+              <a:rPr lang="en-US" altLang="ko-KR" sz="1600" dirty="0" smtClean="0"/>
+              <a:t>3531</a:t>
+            </a:r>
+            <a:endParaRPr lang="ko-KR" altLang="en-US" sz="1600" dirty="0"/>
+          </a:p>
+        </p:txBody>
+      </p:sp>
+      <p:sp>
+        <p:nvSpPr>
+          <p:cNvPr id="25" name="TextBox 24"/>
+          <p:cNvSpPr txBox="1"/>
+          <p:nvPr/>
+        </p:nvSpPr>
+        <p:spPr>
+          <a:xfrm rot="16200000">
+            <a:off x="5976833" y="6031690"/>
+            <a:ext cx="639919" cy="338554"/>
+          </a:xfrm>
+          <a:prstGeom prst="rect">
+            <a:avLst/>
+          </a:prstGeom>
+          <a:noFill/>
+          <a:ln>
+            <a:noFill/>
+          </a:ln>
+        </p:spPr>
+        <p:txBody>
+          <a:bodyPr wrap="none" rtlCol="0">
+            <a:spAutoFit/>
+          </a:bodyPr>
+          <a:lstStyle/>
+          <a:p>
+            <a:r>
+              <a:rPr lang="en-US" altLang="ko-KR" sz="1600" dirty="0" smtClean="0"/>
+              <a:t>2475</a:t>
+            </a:r>
+            <a:endParaRPr lang="ko-KR" altLang="en-US" sz="1600" dirty="0"/>
+          </a:p>
+        </p:txBody>
+      </p:sp>
+      <p:sp>
+        <p:nvSpPr>
+          <p:cNvPr id="26" name="TextBox 25"/>
+          <p:cNvSpPr txBox="1"/>
+          <p:nvPr/>
+        </p:nvSpPr>
+        <p:spPr>
+          <a:xfrm rot="16200000">
+            <a:off x="4471922" y="6019368"/>
+            <a:ext cx="639919" cy="338554"/>
+          </a:xfrm>
+          <a:prstGeom prst="rect">
+            <a:avLst/>
+          </a:prstGeom>
+          <a:noFill/>
+          <a:ln>
+            <a:noFill/>
+          </a:ln>
+        </p:spPr>
+        <p:txBody>
+          <a:bodyPr wrap="none" rtlCol="0">
+            <a:spAutoFit/>
+          </a:bodyPr>
+          <a:lstStyle/>
+          <a:p>
+            <a:r>
+              <a:rPr lang="en-US" altLang="ko-KR" sz="1600" dirty="0" smtClean="0"/>
+              <a:t>4711</a:t>
+            </a:r>
+            <a:endParaRPr lang="ko-KR" altLang="en-US" sz="1600" dirty="0"/>
+          </a:p>
+        </p:txBody>
+      </p:sp>
+      <p:sp>
+        <p:nvSpPr>
+          <p:cNvPr id="27" name="TextBox 26"/>
+          <p:cNvSpPr txBox="1"/>
+          <p:nvPr/>
+        </p:nvSpPr>
+        <p:spPr>
+          <a:xfrm rot="16200000">
+            <a:off x="6277612" y="6013255"/>
+            <a:ext cx="639919" cy="338554"/>
+          </a:xfrm>
+          <a:prstGeom prst="rect">
+            <a:avLst/>
+          </a:prstGeom>
+          <a:noFill/>
+          <a:ln>
+            <a:noFill/>
+          </a:ln>
+        </p:spPr>
+        <p:txBody>
+          <a:bodyPr wrap="none" rtlCol="0">
+            <a:spAutoFit/>
+          </a:bodyPr>
+          <a:lstStyle/>
+          <a:p>
+            <a:r>
+              <a:rPr lang="en-US" altLang="ko-KR" sz="1600" dirty="0" smtClean="0"/>
+              <a:t>2470</a:t>
+            </a:r>
+            <a:endParaRPr lang="ko-KR" altLang="en-US" sz="1600" dirty="0"/>
+          </a:p>
+        </p:txBody>
+      </p:sp>
+      <p:sp>
+        <p:nvSpPr>
+          <p:cNvPr id="28" name="TextBox 27"/>
+          <p:cNvSpPr txBox="1"/>
+          <p:nvPr/>
+        </p:nvSpPr>
+        <p:spPr>
+          <a:xfrm rot="16200000">
+            <a:off x="6600389" y="6031690"/>
+            <a:ext cx="639919" cy="338554"/>
+          </a:xfrm>
+          <a:prstGeom prst="rect">
+            <a:avLst/>
+          </a:prstGeom>
+          <a:noFill/>
+          <a:ln>
+            <a:noFill/>
+          </a:ln>
+        </p:spPr>
+        <p:txBody>
+          <a:bodyPr wrap="none" rtlCol="0">
+            <a:spAutoFit/>
+          </a:bodyPr>
+          <a:lstStyle/>
+          <a:p>
+            <a:r>
+              <a:rPr lang="en-US" altLang="ko-KR" sz="1600" dirty="0" smtClean="0"/>
+              <a:t>1954</a:t>
+            </a:r>
+            <a:endParaRPr lang="ko-KR" altLang="en-US" sz="1600" dirty="0"/>
+          </a:p>
+        </p:txBody>
+      </p:sp>
+      <p:sp>
+        <p:nvSpPr>
+          <p:cNvPr id="29" name="TextBox 28"/>
+          <p:cNvSpPr txBox="1"/>
+          <p:nvPr/>
+        </p:nvSpPr>
+        <p:spPr>
+          <a:xfrm rot="16200000">
+            <a:off x="6942298" y="5990513"/>
+            <a:ext cx="526106" cy="338554"/>
+          </a:xfrm>
+          <a:prstGeom prst="rect">
+            <a:avLst/>
+          </a:prstGeom>
+          <a:noFill/>
+          <a:ln>
+            <a:noFill/>
+          </a:ln>
+        </p:spPr>
+        <p:txBody>
+          <a:bodyPr wrap="none" rtlCol="0">
+            <a:spAutoFit/>
+          </a:bodyPr>
+          <a:lstStyle/>
+          <a:p>
+            <a:r>
+              <a:rPr lang="en-US" altLang="ko-KR" sz="1600" dirty="0" smtClean="0"/>
+              <a:t>637</a:t>
+            </a:r>
+            <a:endParaRPr lang="ko-KR" altLang="en-US" sz="1600" dirty="0"/>
+          </a:p>
+        </p:txBody>
+      </p:sp>
+      <p:sp>
+        <p:nvSpPr>
+          <p:cNvPr id="31" name="TextBox 30"/>
+          <p:cNvSpPr txBox="1"/>
+          <p:nvPr/>
+        </p:nvSpPr>
+        <p:spPr>
+          <a:xfrm>
+            <a:off x="3502020" y="3576268"/>
+            <a:ext cx="639919" cy="338554"/>
+          </a:xfrm>
+          <a:prstGeom prst="rect">
+            <a:avLst/>
+          </a:prstGeom>
+          <a:noFill/>
+          <a:ln>
+            <a:noFill/>
+          </a:ln>
+        </p:spPr>
+        <p:txBody>
+          <a:bodyPr wrap="none" rtlCol="0">
+            <a:spAutoFit/>
+          </a:bodyPr>
+          <a:lstStyle/>
+          <a:p>
+            <a:r>
+              <a:rPr lang="en-US" altLang="ko-KR" sz="1600" dirty="0" smtClean="0"/>
+              <a:t>7026</a:t>
+            </a:r>
+            <a:endParaRPr lang="ko-KR" altLang="en-US" sz="1600" dirty="0"/>
+          </a:p>
+        </p:txBody>
+      </p:sp>
+      <p:sp>
+        <p:nvSpPr>
+          <p:cNvPr id="32" name="TextBox 31"/>
+          <p:cNvSpPr txBox="1"/>
+          <p:nvPr/>
+        </p:nvSpPr>
+        <p:spPr>
+          <a:xfrm>
+            <a:off x="3514501" y="3884826"/>
+            <a:ext cx="639919" cy="338554"/>
+          </a:xfrm>
+          <a:prstGeom prst="rect">
+            <a:avLst/>
+          </a:prstGeom>
+          <a:noFill/>
+          <a:ln>
+            <a:noFill/>
+          </a:ln>
+        </p:spPr>
+        <p:txBody>
+          <a:bodyPr wrap="none" rtlCol="0">
+            <a:spAutoFit/>
+          </a:bodyPr>
+          <a:lstStyle/>
+          <a:p>
+            <a:r>
+              <a:rPr lang="en-US" altLang="ko-KR" sz="1600" dirty="0" smtClean="0"/>
+              <a:t>7022</a:t>
+            </a:r>
+            <a:endParaRPr lang="ko-KR" altLang="en-US" sz="1600" dirty="0"/>
+          </a:p>
+        </p:txBody>
+      </p:sp>
+      <p:sp>
+        <p:nvSpPr>
+          <p:cNvPr id="33" name="TextBox 32"/>
+          <p:cNvSpPr txBox="1"/>
+          <p:nvPr/>
+        </p:nvSpPr>
+        <p:spPr>
+          <a:xfrm>
+            <a:off x="3511234" y="4153041"/>
+            <a:ext cx="639919" cy="338554"/>
+          </a:xfrm>
+          <a:prstGeom prst="rect">
+            <a:avLst/>
+          </a:prstGeom>
+          <a:noFill/>
+          <a:ln>
+            <a:noFill/>
+          </a:ln>
+        </p:spPr>
+        <p:txBody>
+          <a:bodyPr wrap="none" rtlCol="0">
+            <a:spAutoFit/>
+          </a:bodyPr>
+          <a:lstStyle/>
+          <a:p>
+            <a:r>
+              <a:rPr lang="en-US" altLang="ko-KR" sz="1600" dirty="0" smtClean="0"/>
+              <a:t>7011</a:t>
+            </a:r>
+            <a:endParaRPr lang="ko-KR" altLang="en-US" sz="1600" dirty="0"/>
+          </a:p>
+        </p:txBody>
+      </p:sp>
+      <p:sp>
+        <p:nvSpPr>
+          <p:cNvPr id="34" name="TextBox 33"/>
+          <p:cNvSpPr txBox="1"/>
+          <p:nvPr/>
+        </p:nvSpPr>
+        <p:spPr>
+          <a:xfrm>
+            <a:off x="3502021" y="4551131"/>
+            <a:ext cx="639919" cy="338554"/>
+          </a:xfrm>
+          <a:prstGeom prst="rect">
+            <a:avLst/>
+          </a:prstGeom>
+          <a:noFill/>
+          <a:ln>
+            <a:noFill/>
+          </a:ln>
+        </p:spPr>
+        <p:txBody>
+          <a:bodyPr wrap="none" rtlCol="0">
+            <a:spAutoFit/>
+          </a:bodyPr>
+          <a:lstStyle/>
+          <a:p>
+            <a:r>
+              <a:rPr lang="en-US" altLang="ko-KR" sz="1600" dirty="0" smtClean="0"/>
+              <a:t>7007</a:t>
+            </a:r>
+            <a:endParaRPr lang="ko-KR" altLang="en-US" sz="1600" dirty="0"/>
+          </a:p>
+        </p:txBody>
+      </p:sp>
+      <p:sp>
+        <p:nvSpPr>
+          <p:cNvPr id="35" name="TextBox 34"/>
+          <p:cNvSpPr txBox="1"/>
+          <p:nvPr/>
+        </p:nvSpPr>
+        <p:spPr>
+          <a:xfrm>
+            <a:off x="3522626" y="4841881"/>
+            <a:ext cx="639919" cy="338554"/>
+          </a:xfrm>
+          <a:prstGeom prst="rect">
+            <a:avLst/>
+          </a:prstGeom>
+          <a:noFill/>
+          <a:ln>
+            <a:noFill/>
+          </a:ln>
+        </p:spPr>
+        <p:txBody>
+          <a:bodyPr wrap="none" rtlCol="0">
+            <a:spAutoFit/>
+          </a:bodyPr>
+          <a:lstStyle/>
+          <a:p>
+            <a:r>
+              <a:rPr lang="en-US" altLang="ko-KR" sz="1600" dirty="0" smtClean="0"/>
+              <a:t>7001</a:t>
+            </a:r>
+            <a:endParaRPr lang="ko-KR" altLang="en-US" sz="1600" dirty="0"/>
+          </a:p>
+        </p:txBody>
+      </p:sp>
+      <p:sp>
+        <p:nvSpPr>
+          <p:cNvPr id="36" name="TextBox 35"/>
+          <p:cNvSpPr txBox="1"/>
+          <p:nvPr/>
+        </p:nvSpPr>
+        <p:spPr>
+          <a:xfrm>
+            <a:off x="3505721" y="5213440"/>
+            <a:ext cx="639919" cy="338554"/>
+          </a:xfrm>
+          <a:prstGeom prst="rect">
+            <a:avLst/>
+          </a:prstGeom>
+          <a:noFill/>
+          <a:ln>
+            <a:noFill/>
+          </a:ln>
+        </p:spPr>
+        <p:txBody>
+          <a:bodyPr wrap="none" rtlCol="0">
+            <a:spAutoFit/>
+          </a:bodyPr>
+          <a:lstStyle/>
+          <a:p>
+            <a:r>
+              <a:rPr lang="en-US" altLang="ko-KR" sz="1600" dirty="0" smtClean="0"/>
+              <a:t>6994</a:t>
+            </a:r>
+            <a:endParaRPr lang="ko-KR" altLang="en-US" sz="1600" dirty="0"/>
+          </a:p>
+        </p:txBody>
+      </p:sp>
+      <p:sp>
+        <p:nvSpPr>
+          <p:cNvPr id="37" name="TextBox 36"/>
+          <p:cNvSpPr txBox="1"/>
+          <p:nvPr/>
+        </p:nvSpPr>
+        <p:spPr>
+          <a:xfrm>
+            <a:off x="3511234" y="5462585"/>
+            <a:ext cx="639919" cy="338554"/>
+          </a:xfrm>
+          <a:prstGeom prst="rect">
+            <a:avLst/>
+          </a:prstGeom>
+          <a:noFill/>
+          <a:ln>
+            <a:noFill/>
+          </a:ln>
+        </p:spPr>
+        <p:txBody>
+          <a:bodyPr wrap="none" rtlCol="0">
+            <a:spAutoFit/>
+          </a:bodyPr>
+          <a:lstStyle/>
+          <a:p>
+            <a:r>
+              <a:rPr lang="en-US" altLang="ko-KR" sz="1600" dirty="0" smtClean="0"/>
+              <a:t>6992</a:t>
+            </a:r>
+            <a:endParaRPr lang="ko-KR" altLang="en-US" sz="1600" dirty="0"/>
+          </a:p>
+        </p:txBody>
+      </p:sp>
+      <p:sp>
+        <p:nvSpPr>
+          <p:cNvPr id="40" name="TextBox 39"/>
+          <p:cNvSpPr txBox="1"/>
+          <p:nvPr/>
+        </p:nvSpPr>
+        <p:spPr>
+          <a:xfrm rot="16200000">
+            <a:off x="6252837" y="4785321"/>
+            <a:ext cx="639919" cy="338554"/>
+          </a:xfrm>
+          <a:prstGeom prst="rect">
+            <a:avLst/>
+          </a:prstGeom>
+          <a:noFill/>
+          <a:ln>
+            <a:noFill/>
+          </a:ln>
+        </p:spPr>
+        <p:txBody>
+          <a:bodyPr wrap="none" rtlCol="0">
+            <a:spAutoFit/>
+          </a:bodyPr>
+          <a:lstStyle/>
+          <a:p>
+            <a:r>
+              <a:rPr lang="en-US" altLang="ko-KR" sz="1600" dirty="0" smtClean="0"/>
+              <a:t>7341</a:t>
+            </a:r>
+            <a:endParaRPr lang="ko-KR" altLang="en-US" sz="1600" dirty="0"/>
+          </a:p>
+        </p:txBody>
+      </p:sp>
+      <p:sp>
+        <p:nvSpPr>
+          <p:cNvPr id="41" name="TextBox 40"/>
+          <p:cNvSpPr txBox="1"/>
+          <p:nvPr/>
+        </p:nvSpPr>
+        <p:spPr>
+          <a:xfrm rot="16200000">
+            <a:off x="6105548" y="4235692"/>
+            <a:ext cx="639919" cy="338554"/>
+          </a:xfrm>
+          <a:prstGeom prst="rect">
+            <a:avLst/>
+          </a:prstGeom>
+          <a:noFill/>
+          <a:ln>
+            <a:noFill/>
+          </a:ln>
+        </p:spPr>
+        <p:txBody>
+          <a:bodyPr wrap="none" rtlCol="0">
+            <a:spAutoFit/>
+          </a:bodyPr>
+          <a:lstStyle/>
+          <a:p>
+            <a:r>
+              <a:rPr lang="en-US" altLang="ko-KR" sz="1600" dirty="0" smtClean="0"/>
+              <a:t>7315</a:t>
+            </a:r>
+            <a:endParaRPr lang="ko-KR" altLang="en-US" sz="1600" dirty="0"/>
+          </a:p>
+        </p:txBody>
+      </p:sp>
+      <p:sp>
+        <p:nvSpPr>
+          <p:cNvPr id="42" name="TextBox 41"/>
+          <p:cNvSpPr txBox="1"/>
+          <p:nvPr/>
+        </p:nvSpPr>
+        <p:spPr>
+          <a:xfrm rot="16200000">
+            <a:off x="5701367" y="4235693"/>
+            <a:ext cx="639919" cy="338554"/>
+          </a:xfrm>
+          <a:prstGeom prst="rect">
+            <a:avLst/>
+          </a:prstGeom>
+          <a:noFill/>
+          <a:ln>
+            <a:noFill/>
+          </a:ln>
+        </p:spPr>
+        <p:txBody>
+          <a:bodyPr wrap="none" rtlCol="0">
+            <a:spAutoFit/>
+          </a:bodyPr>
+          <a:lstStyle/>
+          <a:p>
+            <a:r>
+              <a:rPr lang="en-US" altLang="ko-KR" sz="1600" dirty="0" smtClean="0"/>
+              <a:t>7263</a:t>
+            </a:r>
+            <a:endParaRPr lang="ko-KR" altLang="en-US" sz="1600" dirty="0"/>
+          </a:p>
+        </p:txBody>
+      </p:sp>
+      <p:sp>
+        <p:nvSpPr>
+          <p:cNvPr id="43" name="TextBox 42"/>
+          <p:cNvSpPr txBox="1"/>
+          <p:nvPr/>
+        </p:nvSpPr>
+        <p:spPr>
+          <a:xfrm rot="16200000">
+            <a:off x="5207128" y="4235694"/>
+            <a:ext cx="639919" cy="338554"/>
+          </a:xfrm>
+          <a:prstGeom prst="rect">
+            <a:avLst/>
+          </a:prstGeom>
+          <a:noFill/>
+          <a:ln>
+            <a:noFill/>
+          </a:ln>
+        </p:spPr>
+        <p:txBody>
+          <a:bodyPr wrap="none" rtlCol="0">
+            <a:spAutoFit/>
+          </a:bodyPr>
+          <a:lstStyle/>
+          <a:p>
+            <a:r>
+              <a:rPr lang="en-US" altLang="ko-KR" sz="1600" dirty="0" smtClean="0"/>
+              <a:t>7142</a:t>
+            </a:r>
+            <a:endParaRPr lang="ko-KR" altLang="en-US" sz="1600" dirty="0"/>
+          </a:p>
+        </p:txBody>
+      </p:sp>
+      <p:sp>
+        <p:nvSpPr>
+          <p:cNvPr id="44" name="TextBox 43"/>
+          <p:cNvSpPr txBox="1"/>
+          <p:nvPr/>
+        </p:nvSpPr>
+        <p:spPr>
+          <a:xfrm rot="16200000">
+            <a:off x="4798212" y="4226550"/>
+            <a:ext cx="639919" cy="338554"/>
+          </a:xfrm>
+          <a:prstGeom prst="rect">
+            <a:avLst/>
+          </a:prstGeom>
+          <a:noFill/>
+          <a:ln>
+            <a:noFill/>
+          </a:ln>
+        </p:spPr>
+        <p:txBody>
+          <a:bodyPr wrap="none" rtlCol="0">
+            <a:spAutoFit/>
+          </a:bodyPr>
+          <a:lstStyle/>
+          <a:p>
+            <a:r>
+              <a:rPr lang="en-US" altLang="ko-KR" sz="1600" dirty="0" smtClean="0"/>
+              <a:t>7034</a:t>
+            </a:r>
+            <a:endParaRPr lang="ko-KR" altLang="en-US" sz="1600" dirty="0"/>
+          </a:p>
+        </p:txBody>
+      </p:sp>
+      <p:sp>
+        <p:nvSpPr>
+          <p:cNvPr id="45" name="TextBox 44"/>
+          <p:cNvSpPr txBox="1"/>
+          <p:nvPr/>
+        </p:nvSpPr>
+        <p:spPr>
+          <a:xfrm rot="16200000">
+            <a:off x="5078832" y="4827659"/>
+            <a:ext cx="639919" cy="338554"/>
+          </a:xfrm>
+          <a:prstGeom prst="rect">
+            <a:avLst/>
+          </a:prstGeom>
+          <a:noFill/>
+          <a:ln>
+            <a:noFill/>
+          </a:ln>
+        </p:spPr>
+        <p:txBody>
+          <a:bodyPr wrap="none" rtlCol="0">
+            <a:spAutoFit/>
+          </a:bodyPr>
+          <a:lstStyle/>
+          <a:p>
+            <a:r>
+              <a:rPr lang="en-US" altLang="ko-KR" sz="1600" dirty="0" smtClean="0"/>
+              <a:t>8631</a:t>
+            </a:r>
+            <a:endParaRPr lang="ko-KR" altLang="en-US" sz="1600" dirty="0"/>
+          </a:p>
+        </p:txBody>
+      </p:sp>
+      <p:sp>
+        <p:nvSpPr>
+          <p:cNvPr id="46" name="TextBox 45"/>
+          <p:cNvSpPr txBox="1"/>
+          <p:nvPr/>
+        </p:nvSpPr>
+        <p:spPr>
+          <a:xfrm rot="16200000">
+            <a:off x="4809604" y="4827658"/>
+            <a:ext cx="639919" cy="338554"/>
+          </a:xfrm>
+          <a:prstGeom prst="rect">
+            <a:avLst/>
+          </a:prstGeom>
+          <a:noFill/>
+          <a:ln>
+            <a:noFill/>
+          </a:ln>
+        </p:spPr>
+        <p:txBody>
+          <a:bodyPr wrap="none" rtlCol="0">
+            <a:spAutoFit/>
+          </a:bodyPr>
+          <a:lstStyle/>
+          <a:p>
+            <a:r>
+              <a:rPr lang="en-US" altLang="ko-KR" sz="1600" dirty="0" smtClean="0"/>
+              <a:t>8657</a:t>
+            </a:r>
+            <a:endParaRPr lang="ko-KR" altLang="en-US" sz="1600" dirty="0"/>
+          </a:p>
+        </p:txBody>
+      </p:sp>
+      <p:sp>
+        <p:nvSpPr>
+          <p:cNvPr id="47" name="TextBox 46"/>
+          <p:cNvSpPr txBox="1"/>
+          <p:nvPr/>
+        </p:nvSpPr>
+        <p:spPr>
+          <a:xfrm rot="16200000">
+            <a:off x="4177393" y="6047761"/>
+            <a:ext cx="639919" cy="338554"/>
+          </a:xfrm>
+          <a:prstGeom prst="rect">
+            <a:avLst/>
+          </a:prstGeom>
+          <a:noFill/>
+          <a:ln>
+            <a:noFill/>
+          </a:ln>
+        </p:spPr>
+        <p:txBody>
+          <a:bodyPr wrap="none" rtlCol="0">
+            <a:spAutoFit/>
+          </a:bodyPr>
+          <a:lstStyle/>
+          <a:p>
+            <a:r>
+              <a:rPr lang="en-US" altLang="ko-KR" sz="1600" dirty="0" smtClean="0"/>
+              <a:t>4715</a:t>
+            </a:r>
+            <a:endParaRPr lang="ko-KR" altLang="en-US" sz="1600" dirty="0"/>
+          </a:p>
+        </p:txBody>
+      </p:sp>
+      <p:sp>
+        <p:nvSpPr>
+          <p:cNvPr id="48" name="TextBox 47"/>
+          <p:cNvSpPr txBox="1"/>
+          <p:nvPr/>
+        </p:nvSpPr>
+        <p:spPr>
+          <a:xfrm rot="16200000">
+            <a:off x="5346866" y="4829325"/>
+            <a:ext cx="639919" cy="338554"/>
+          </a:xfrm>
+          <a:prstGeom prst="rect">
+            <a:avLst/>
+          </a:prstGeom>
+          <a:noFill/>
+          <a:ln>
+            <a:noFill/>
+          </a:ln>
+        </p:spPr>
+        <p:txBody>
+          <a:bodyPr wrap="none" rtlCol="0">
+            <a:spAutoFit/>
+          </a:bodyPr>
+          <a:lstStyle/>
+          <a:p>
+            <a:r>
+              <a:rPr lang="en-US" altLang="ko-KR" sz="1600" dirty="0" smtClean="0"/>
+              <a:t>7515</a:t>
+            </a:r>
+            <a:endParaRPr lang="ko-KR" altLang="en-US" sz="1600" dirty="0"/>
+          </a:p>
+        </p:txBody>
+      </p:sp>
+      <p:sp>
+        <p:nvSpPr>
+          <p:cNvPr id="49" name="TextBox 48"/>
+          <p:cNvSpPr txBox="1"/>
+          <p:nvPr/>
+        </p:nvSpPr>
+        <p:spPr>
+          <a:xfrm rot="16200000">
+            <a:off x="5691599" y="4829326"/>
+            <a:ext cx="639919" cy="338554"/>
+          </a:xfrm>
+          <a:prstGeom prst="rect">
+            <a:avLst/>
+          </a:prstGeom>
+          <a:noFill/>
+          <a:ln>
+            <a:noFill/>
+          </a:ln>
+        </p:spPr>
+        <p:txBody>
+          <a:bodyPr wrap="none" rtlCol="0">
+            <a:spAutoFit/>
+          </a:bodyPr>
+          <a:lstStyle/>
+          <a:p>
+            <a:r>
+              <a:rPr lang="en-US" altLang="ko-KR" sz="1600" dirty="0" smtClean="0"/>
+              <a:t>7378</a:t>
+            </a:r>
+            <a:endParaRPr lang="ko-KR" altLang="en-US" sz="1600" dirty="0"/>
+          </a:p>
+        </p:txBody>
+      </p:sp>
+      <p:sp>
+        <p:nvSpPr>
+          <p:cNvPr id="50" name="TextBox 49"/>
+          <p:cNvSpPr txBox="1"/>
+          <p:nvPr/>
+        </p:nvSpPr>
+        <p:spPr>
+          <a:xfrm rot="16200000">
+            <a:off x="5973694" y="4797876"/>
+            <a:ext cx="639919" cy="338554"/>
+          </a:xfrm>
+          <a:prstGeom prst="rect">
+            <a:avLst/>
+          </a:prstGeom>
+          <a:noFill/>
+          <a:ln>
+            <a:noFill/>
+          </a:ln>
+        </p:spPr>
+        <p:txBody>
+          <a:bodyPr wrap="none" rtlCol="0">
+            <a:spAutoFit/>
+          </a:bodyPr>
+          <a:lstStyle/>
+          <a:p>
+            <a:r>
+              <a:rPr lang="en-US" altLang="ko-KR" sz="1600" dirty="0" smtClean="0"/>
+              <a:t>7349</a:t>
+            </a:r>
+            <a:endParaRPr lang="ko-KR" altLang="en-US" sz="1600" dirty="0"/>
+          </a:p>
+        </p:txBody>
+      </p:sp>
+      <p:cxnSp>
+        <p:nvCxnSpPr>
+          <p:cNvPr id="51" name="직선 화살표 연결선 50"/>
+          <p:cNvCxnSpPr/>
+          <p:nvPr/>
+        </p:nvCxnSpPr>
+        <p:spPr>
+          <a:xfrm flipV="1">
+            <a:off x="7026930" y="2382925"/>
+            <a:ext cx="0" cy="1010175"/>
+          </a:xfrm>
+          <a:prstGeom prst="straightConnector1">
+            <a:avLst/>
+          </a:prstGeom>
+          <a:ln w="28575">
+            <a:solidFill>
+              <a:schemeClr val="tx1"/>
+            </a:solidFill>
+            <a:tailEnd type="triangle"/>
+          </a:ln>
+        </p:spPr>
+        <p:style>
+          <a:lnRef idx="1">
+            <a:schemeClr val="accent1"/>
+          </a:lnRef>
+          <a:fillRef idx="0">
+            <a:schemeClr val="accent1"/>
+          </a:fillRef>
+          <a:effectRef idx="0">
+            <a:schemeClr val="accent1"/>
+          </a:effectRef>
+          <a:fontRef idx="minor">
+            <a:schemeClr val="tx1"/>
+          </a:fontRef>
+        </p:style>
+      </p:cxnSp>
+      <p:cxnSp>
+        <p:nvCxnSpPr>
+          <p:cNvPr id="52" name="직선 화살표 연결선 51"/>
+          <p:cNvCxnSpPr/>
+          <p:nvPr/>
+        </p:nvCxnSpPr>
+        <p:spPr>
+          <a:xfrm flipV="1">
+            <a:off x="7376975" y="3023768"/>
+            <a:ext cx="0" cy="1010175"/>
+          </a:xfrm>
+          <a:prstGeom prst="straightConnector1">
+            <a:avLst/>
+          </a:prstGeom>
+          <a:ln w="28575">
+            <a:solidFill>
+              <a:schemeClr val="tx1"/>
+            </a:solidFill>
+            <a:headEnd type="triangle" w="med" len="med"/>
+            <a:tailEnd type="none" w="med" len="med"/>
+          </a:ln>
+        </p:spPr>
+        <p:style>
+          <a:lnRef idx="1">
+            <a:schemeClr val="accent1"/>
+          </a:lnRef>
+          <a:fillRef idx="0">
+            <a:schemeClr val="accent1"/>
+          </a:fillRef>
+          <a:effectRef idx="0">
+            <a:schemeClr val="accent1"/>
+          </a:effectRef>
+          <a:fontRef idx="minor">
+            <a:schemeClr val="tx1"/>
+          </a:fontRef>
+        </p:style>
+      </p:cxnSp>
+      <p:cxnSp>
+        <p:nvCxnSpPr>
+          <p:cNvPr id="53" name="직선 화살표 연결선 52"/>
+          <p:cNvCxnSpPr/>
+          <p:nvPr/>
+        </p:nvCxnSpPr>
+        <p:spPr>
+          <a:xfrm>
+            <a:off x="5254272" y="4003145"/>
+            <a:ext cx="480564" cy="0"/>
+          </a:xfrm>
+          <a:prstGeom prst="straightConnector1">
+            <a:avLst/>
+          </a:prstGeom>
+          <a:ln w="28575">
+            <a:solidFill>
+              <a:schemeClr val="tx1"/>
+            </a:solidFill>
+            <a:tailEnd type="triangle"/>
+          </a:ln>
+        </p:spPr>
+        <p:style>
+          <a:lnRef idx="1">
+            <a:schemeClr val="accent1"/>
+          </a:lnRef>
+          <a:fillRef idx="0">
+            <a:schemeClr val="accent1"/>
+          </a:fillRef>
+          <a:effectRef idx="0">
+            <a:schemeClr val="accent1"/>
+          </a:effectRef>
+          <a:fontRef idx="minor">
+            <a:schemeClr val="tx1"/>
+          </a:fontRef>
+        </p:style>
+      </p:cxnSp>
+      <p:cxnSp>
+        <p:nvCxnSpPr>
+          <p:cNvPr id="54" name="직선 화살표 연결선 53"/>
+          <p:cNvCxnSpPr/>
+          <p:nvPr/>
+        </p:nvCxnSpPr>
+        <p:spPr>
+          <a:xfrm flipV="1">
+            <a:off x="4170389" y="4675347"/>
+            <a:ext cx="0" cy="1010175"/>
+          </a:xfrm>
+          <a:prstGeom prst="straightConnector1">
+            <a:avLst/>
+          </a:prstGeom>
+          <a:ln w="28575">
+            <a:solidFill>
+              <a:schemeClr val="tx1"/>
+            </a:solidFill>
+            <a:tailEnd type="triangle"/>
+          </a:ln>
+        </p:spPr>
+        <p:style>
+          <a:lnRef idx="1">
+            <a:schemeClr val="accent1"/>
+          </a:lnRef>
+          <a:fillRef idx="0">
+            <a:schemeClr val="accent1"/>
+          </a:fillRef>
+          <a:effectRef idx="0">
+            <a:schemeClr val="accent1"/>
+          </a:effectRef>
+          <a:fontRef idx="minor">
+            <a:schemeClr val="tx1"/>
+          </a:fontRef>
+        </p:style>
+      </p:cxnSp>
+      <p:cxnSp>
+        <p:nvCxnSpPr>
+          <p:cNvPr id="55" name="직선 화살표 연결선 54"/>
+          <p:cNvCxnSpPr/>
+          <p:nvPr/>
+        </p:nvCxnSpPr>
+        <p:spPr>
+          <a:xfrm>
+            <a:off x="6228330" y="5379415"/>
+            <a:ext cx="480564" cy="0"/>
+          </a:xfrm>
+          <a:prstGeom prst="straightConnector1">
+            <a:avLst/>
+          </a:prstGeom>
+          <a:ln w="28575">
+            <a:solidFill>
+              <a:schemeClr val="tx1"/>
+            </a:solidFill>
+            <a:headEnd type="triangle" w="med" len="med"/>
+            <a:tailEnd type="none" w="med" len="med"/>
+          </a:ln>
+        </p:spPr>
+        <p:style>
+          <a:lnRef idx="1">
+            <a:schemeClr val="accent1"/>
+          </a:lnRef>
+          <a:fillRef idx="0">
+            <a:schemeClr val="accent1"/>
+          </a:fillRef>
+          <a:effectRef idx="0">
+            <a:schemeClr val="accent1"/>
+          </a:effectRef>
+          <a:fontRef idx="minor">
+            <a:schemeClr val="tx1"/>
+          </a:fontRef>
+        </p:style>
+      </p:cxnSp>
+      <p:cxnSp>
+        <p:nvCxnSpPr>
+          <p:cNvPr id="56" name="직선 화살표 연결선 55"/>
+          <p:cNvCxnSpPr/>
+          <p:nvPr/>
+        </p:nvCxnSpPr>
+        <p:spPr>
+          <a:xfrm flipV="1">
+            <a:off x="4960286" y="5708027"/>
+            <a:ext cx="2878672" cy="15886"/>
+          </a:xfrm>
+          <a:prstGeom prst="straightConnector1">
+            <a:avLst/>
+          </a:prstGeom>
+          <a:ln w="28575">
+            <a:solidFill>
+              <a:schemeClr val="tx1"/>
+            </a:solidFill>
+            <a:headEnd type="triangle" w="med" len="med"/>
+            <a:tailEnd type="none" w="med" len="med"/>
+          </a:ln>
+        </p:spPr>
+        <p:style>
+          <a:lnRef idx="1">
+            <a:schemeClr val="accent1"/>
+          </a:lnRef>
+          <a:fillRef idx="0">
+            <a:schemeClr val="accent1"/>
+          </a:fillRef>
+          <a:effectRef idx="0">
+            <a:schemeClr val="accent1"/>
+          </a:effectRef>
+          <a:fontRef idx="minor">
+            <a:schemeClr val="tx1"/>
+          </a:fontRef>
+        </p:style>
+      </p:cxnSp>
+      <p:sp>
+        <p:nvSpPr>
+          <p:cNvPr id="57" name="TextBox 56"/>
+          <p:cNvSpPr txBox="1"/>
+          <p:nvPr/>
+        </p:nvSpPr>
+        <p:spPr>
+          <a:xfrm>
+            <a:off x="9894560" y="3454575"/>
+            <a:ext cx="997389" cy="338554"/>
+          </a:xfrm>
+          <a:prstGeom prst="rect">
+            <a:avLst/>
+          </a:prstGeom>
+          <a:noFill/>
+          <a:ln>
+            <a:noFill/>
+          </a:ln>
+        </p:spPr>
+        <p:txBody>
+          <a:bodyPr wrap="none" rtlCol="0">
+            <a:spAutoFit/>
+          </a:bodyPr>
+          <a:lstStyle/>
+          <a:p>
+            <a:r>
+              <a:rPr lang="en-US" altLang="ko-KR" sz="1600" b="1" dirty="0" smtClean="0"/>
+              <a:t>8673 (1)</a:t>
+            </a:r>
+            <a:endParaRPr lang="ko-KR" altLang="en-US" sz="1600" b="1" dirty="0"/>
           </a:p>
         </p:txBody>
       </p:sp>

--- a/06_납품현황/2018/01_광교에이스/02_SerialNumber/20180209_광교에이스2차.pptx
+++ b/06_납품현황/2018/01_광교에이스/02_SerialNumber/20180209_광교에이스2차.pptx
@@ -228,7 +228,7 @@
           <a:p>
             <a:fld id="{FA38CC0B-4CA6-4F79-8329-9D7711B8C152}" type="datetimeFigureOut">
               <a:rPr lang="ko-KR" altLang="en-US" smtClean="0"/>
-              <a:t>2018-02-09</a:t>
+              <a:t>2018-04-17</a:t>
             </a:fld>
             <a:endParaRPr lang="ko-KR" altLang="en-US"/>
           </a:p>
@@ -818,7 +818,7 @@
           <a:p>
             <a:fld id="{010C6041-03A1-4716-8FA6-032B9F05304A}" type="datetimeFigureOut">
               <a:rPr lang="ko-KR" altLang="en-US" smtClean="0"/>
-              <a:t>2018-02-09</a:t>
+              <a:t>2018-04-17</a:t>
             </a:fld>
             <a:endParaRPr lang="ko-KR" altLang="en-US"/>
           </a:p>
@@ -1016,7 +1016,7 @@
           <a:p>
             <a:fld id="{010C6041-03A1-4716-8FA6-032B9F05304A}" type="datetimeFigureOut">
               <a:rPr lang="ko-KR" altLang="en-US" smtClean="0"/>
-              <a:t>2018-02-09</a:t>
+              <a:t>2018-04-17</a:t>
             </a:fld>
             <a:endParaRPr lang="ko-KR" altLang="en-US"/>
           </a:p>
@@ -1224,7 +1224,7 @@
           <a:p>
             <a:fld id="{010C6041-03A1-4716-8FA6-032B9F05304A}" type="datetimeFigureOut">
               <a:rPr lang="ko-KR" altLang="en-US" smtClean="0"/>
-              <a:t>2018-02-09</a:t>
+              <a:t>2018-04-17</a:t>
             </a:fld>
             <a:endParaRPr lang="ko-KR" altLang="en-US"/>
           </a:p>
@@ -1422,7 +1422,7 @@
           <a:p>
             <a:fld id="{010C6041-03A1-4716-8FA6-032B9F05304A}" type="datetimeFigureOut">
               <a:rPr lang="ko-KR" altLang="en-US" smtClean="0"/>
-              <a:t>2018-02-09</a:t>
+              <a:t>2018-04-17</a:t>
             </a:fld>
             <a:endParaRPr lang="ko-KR" altLang="en-US"/>
           </a:p>
@@ -1697,7 +1697,7 @@
           <a:p>
             <a:fld id="{010C6041-03A1-4716-8FA6-032B9F05304A}" type="datetimeFigureOut">
               <a:rPr lang="ko-KR" altLang="en-US" smtClean="0"/>
-              <a:t>2018-02-09</a:t>
+              <a:t>2018-04-17</a:t>
             </a:fld>
             <a:endParaRPr lang="ko-KR" altLang="en-US"/>
           </a:p>
@@ -1962,7 +1962,7 @@
           <a:p>
             <a:fld id="{010C6041-03A1-4716-8FA6-032B9F05304A}" type="datetimeFigureOut">
               <a:rPr lang="ko-KR" altLang="en-US" smtClean="0"/>
-              <a:t>2018-02-09</a:t>
+              <a:t>2018-04-17</a:t>
             </a:fld>
             <a:endParaRPr lang="ko-KR" altLang="en-US"/>
           </a:p>
@@ -2374,7 +2374,7 @@
           <a:p>
             <a:fld id="{010C6041-03A1-4716-8FA6-032B9F05304A}" type="datetimeFigureOut">
               <a:rPr lang="ko-KR" altLang="en-US" smtClean="0"/>
-              <a:t>2018-02-09</a:t>
+              <a:t>2018-04-17</a:t>
             </a:fld>
             <a:endParaRPr lang="ko-KR" altLang="en-US"/>
           </a:p>
@@ -2515,7 +2515,7 @@
           <a:p>
             <a:fld id="{010C6041-03A1-4716-8FA6-032B9F05304A}" type="datetimeFigureOut">
               <a:rPr lang="ko-KR" altLang="en-US" smtClean="0"/>
-              <a:t>2018-02-09</a:t>
+              <a:t>2018-04-17</a:t>
             </a:fld>
             <a:endParaRPr lang="ko-KR" altLang="en-US"/>
           </a:p>
@@ -2628,7 +2628,7 @@
           <a:p>
             <a:fld id="{010C6041-03A1-4716-8FA6-032B9F05304A}" type="datetimeFigureOut">
               <a:rPr lang="ko-KR" altLang="en-US" smtClean="0"/>
-              <a:t>2018-02-09</a:t>
+              <a:t>2018-04-17</a:t>
             </a:fld>
             <a:endParaRPr lang="ko-KR" altLang="en-US"/>
           </a:p>
@@ -2939,7 +2939,7 @@
           <a:p>
             <a:fld id="{010C6041-03A1-4716-8FA6-032B9F05304A}" type="datetimeFigureOut">
               <a:rPr lang="ko-KR" altLang="en-US" smtClean="0"/>
-              <a:t>2018-02-09</a:t>
+              <a:t>2018-04-17</a:t>
             </a:fld>
             <a:endParaRPr lang="ko-KR" altLang="en-US"/>
           </a:p>
@@ -3227,7 +3227,7 @@
           <a:p>
             <a:fld id="{010C6041-03A1-4716-8FA6-032B9F05304A}" type="datetimeFigureOut">
               <a:rPr lang="ko-KR" altLang="en-US" smtClean="0"/>
-              <a:t>2018-02-09</a:t>
+              <a:t>2018-04-17</a:t>
             </a:fld>
             <a:endParaRPr lang="ko-KR" altLang="en-US"/>
           </a:p>
@@ -3468,7 +3468,7 @@
           <a:p>
             <a:fld id="{010C6041-03A1-4716-8FA6-032B9F05304A}" type="datetimeFigureOut">
               <a:rPr lang="ko-KR" altLang="en-US" smtClean="0"/>
-              <a:t>2018-02-09</a:t>
+              <a:t>2018-04-17</a:t>
             </a:fld>
             <a:endParaRPr lang="ko-KR" altLang="en-US"/>
           </a:p>
@@ -4095,27 +4095,7 @@
           <a:p>
             <a:r>
               <a:rPr lang="en-US" altLang="ko-KR" b="1" dirty="0" smtClean="0"/>
-              <a:t>LGM : </a:t>
-            </a:r>
-            <a:r>
-              <a:rPr lang="en-US" altLang="ko-KR" b="1" dirty="0" smtClean="0"/>
-              <a:t>2644 </a:t>
-            </a:r>
-            <a:r>
-              <a:rPr lang="en-US" altLang="ko-KR" b="1" dirty="0" smtClean="0"/>
-              <a:t>~ </a:t>
-            </a:r>
-            <a:r>
-              <a:rPr lang="en-US" altLang="ko-KR" b="1" dirty="0" smtClean="0"/>
-              <a:t>2657 </a:t>
-            </a:r>
-            <a:r>
-              <a:rPr lang="en-US" altLang="ko-KR" b="1" dirty="0" smtClean="0"/>
-              <a:t>(</a:t>
-            </a:r>
-            <a:r>
-              <a:rPr lang="en-US" altLang="ko-KR" b="1" dirty="0" smtClean="0"/>
-              <a:t>14)</a:t>
+              <a:t>LGM : 2644 ~ 2657 (14)</a:t>
             </a:r>
             <a:endParaRPr lang="ko-KR" altLang="en-US" b="1" dirty="0"/>
           </a:p>
@@ -4148,7 +4128,7 @@
           <a:p>
             <a:r>
               <a:rPr lang="en-US" altLang="ko-KR" sz="1600" dirty="0" smtClean="0"/>
-              <a:t>2648</a:t>
+              <a:t>2861</a:t>
             </a:r>
             <a:endParaRPr lang="ko-KR" altLang="en-US" sz="1600" dirty="0"/>
           </a:p>
@@ -4181,7 +4161,7 @@
           <a:p>
             <a:r>
               <a:rPr lang="en-US" altLang="ko-KR" sz="1600" dirty="0" smtClean="0"/>
-              <a:t>2652</a:t>
+              <a:t>2865</a:t>
             </a:r>
             <a:endParaRPr lang="ko-KR" altLang="en-US" sz="1600" dirty="0"/>
           </a:p>
@@ -4214,7 +4194,7 @@
           <a:p>
             <a:r>
               <a:rPr lang="en-US" altLang="ko-KR" sz="1600" dirty="0" smtClean="0"/>
-              <a:t>2651</a:t>
+              <a:t>2864</a:t>
             </a:r>
             <a:endParaRPr lang="ko-KR" altLang="en-US" sz="1600" dirty="0"/>
           </a:p>
@@ -4247,7 +4227,7 @@
           <a:p>
             <a:r>
               <a:rPr lang="en-US" altLang="ko-KR" sz="1600" dirty="0" smtClean="0"/>
-              <a:t>2650</a:t>
+              <a:t>2863</a:t>
             </a:r>
             <a:endParaRPr lang="ko-KR" altLang="en-US" sz="1600" dirty="0"/>
           </a:p>
@@ -4280,7 +4260,7 @@
           <a:p>
             <a:r>
               <a:rPr lang="en-US" altLang="ko-KR" sz="1600" dirty="0" smtClean="0"/>
-              <a:t>2649</a:t>
+              <a:t>2862</a:t>
             </a:r>
             <a:endParaRPr lang="ko-KR" altLang="en-US" sz="1600" dirty="0"/>
           </a:p>
@@ -4376,7 +4356,7 @@
           <a:p>
             <a:r>
               <a:rPr lang="en-US" altLang="ko-KR" sz="1600" dirty="0" smtClean="0"/>
-              <a:t>2654</a:t>
+              <a:t>2867</a:t>
             </a:r>
             <a:endParaRPr lang="ko-KR" altLang="en-US" sz="1600" dirty="0"/>
           </a:p>
@@ -4409,7 +4389,7 @@
           <a:p>
             <a:r>
               <a:rPr lang="en-US" altLang="ko-KR" sz="1600" dirty="0" smtClean="0"/>
-              <a:t>2653</a:t>
+              <a:t>2866</a:t>
             </a:r>
             <a:endParaRPr lang="ko-KR" altLang="en-US" sz="1600" dirty="0"/>
           </a:p>
@@ -4442,7 +4422,7 @@
           <a:p>
             <a:r>
               <a:rPr lang="en-US" altLang="ko-KR" sz="1600" dirty="0" smtClean="0"/>
-              <a:t>2644</a:t>
+              <a:t>2870</a:t>
             </a:r>
             <a:endParaRPr lang="ko-KR" altLang="en-US" sz="1600" dirty="0"/>
           </a:p>
@@ -4475,7 +4455,7 @@
           <a:p>
             <a:r>
               <a:rPr lang="en-US" altLang="ko-KR" sz="1600" dirty="0" smtClean="0"/>
-              <a:t>2645</a:t>
+              <a:t>2858</a:t>
             </a:r>
             <a:endParaRPr lang="ko-KR" altLang="en-US" sz="1600" dirty="0"/>
           </a:p>
@@ -4508,7 +4488,7 @@
           <a:p>
             <a:r>
               <a:rPr lang="en-US" altLang="ko-KR" sz="1600" dirty="0" smtClean="0"/>
-              <a:t>2646</a:t>
+              <a:t>2859</a:t>
             </a:r>
             <a:endParaRPr lang="ko-KR" altLang="en-US" sz="1600" dirty="0"/>
           </a:p>
@@ -4541,7 +4521,7 @@
           <a:p>
             <a:r>
               <a:rPr lang="en-US" altLang="ko-KR" sz="1600" dirty="0" smtClean="0"/>
-              <a:t>2647</a:t>
+              <a:t>2860</a:t>
             </a:r>
             <a:endParaRPr lang="ko-KR" altLang="en-US" sz="1600" dirty="0"/>
           </a:p>
@@ -4574,7 +4554,7 @@
           <a:p>
             <a:r>
               <a:rPr lang="en-US" altLang="ko-KR" sz="1600" dirty="0" smtClean="0"/>
-              <a:t>2656</a:t>
+              <a:t>2869</a:t>
             </a:r>
             <a:endParaRPr lang="ko-KR" altLang="en-US" sz="1600" dirty="0"/>
           </a:p>
@@ -4607,7 +4587,7 @@
           <a:p>
             <a:r>
               <a:rPr lang="en-US" altLang="ko-KR" sz="1600" dirty="0" smtClean="0"/>
-              <a:t>2657</a:t>
+              <a:t>2868</a:t>
             </a:r>
             <a:endParaRPr lang="ko-KR" altLang="en-US" sz="1600" dirty="0"/>
           </a:p>
@@ -4640,7 +4620,7 @@
           <a:p>
             <a:r>
               <a:rPr lang="en-US" altLang="ko-KR" sz="1600" dirty="0" smtClean="0"/>
-              <a:t>2299</a:t>
+              <a:t>2172</a:t>
             </a:r>
             <a:endParaRPr lang="ko-KR" altLang="en-US" sz="1600" dirty="0"/>
           </a:p>
@@ -4673,7 +4653,7 @@
           <a:p>
             <a:r>
               <a:rPr lang="en-US" altLang="ko-KR" sz="1600" dirty="0" smtClean="0"/>
-              <a:t>2298</a:t>
+              <a:t>2173</a:t>
             </a:r>
             <a:endParaRPr lang="ko-KR" altLang="en-US" sz="1600" dirty="0"/>
           </a:p>
@@ -4780,15 +4760,7 @@
             </a:r>
             <a:r>
               <a:rPr lang="en-US" altLang="ko-KR" b="1" dirty="0" smtClean="0"/>
-              <a:t> </a:t>
-            </a:r>
-            <a:r>
-              <a:rPr lang="en-US" altLang="ko-KR" b="1" dirty="0" smtClean="0"/>
-              <a:t>: </a:t>
-            </a:r>
-            <a:r>
-              <a:rPr lang="en-US" altLang="ko-KR" b="1" dirty="0" smtClean="0"/>
-              <a:t>2298, 2299 (2)</a:t>
+              <a:t> : 2298, 2299 (2)</a:t>
             </a:r>
             <a:endParaRPr lang="ko-KR" altLang="en-US" b="1" dirty="0"/>
           </a:p>
@@ -10863,19 +10835,7 @@
           <a:p>
             <a:r>
               <a:rPr lang="en-US" altLang="ko-KR" b="1" dirty="0" smtClean="0"/>
-              <a:t>LGM : 2609 ~ </a:t>
-            </a:r>
-            <a:r>
-              <a:rPr lang="en-US" altLang="ko-KR" b="1" dirty="0" smtClean="0"/>
-              <a:t>2630 </a:t>
-            </a:r>
-            <a:r>
-              <a:rPr lang="en-US" altLang="ko-KR" b="1" dirty="0" smtClean="0"/>
-              <a:t>(</a:t>
-            </a:r>
-            <a:r>
-              <a:rPr lang="en-US" altLang="ko-KR" b="1" dirty="0" smtClean="0"/>
-              <a:t>22)</a:t>
+              <a:t>LGM : 2609 ~ 2630 (22)</a:t>
             </a:r>
             <a:endParaRPr lang="ko-KR" altLang="en-US" b="1" dirty="0"/>
           </a:p>
@@ -13263,27 +13223,7 @@
           <a:p>
             <a:r>
               <a:rPr lang="en-US" altLang="ko-KR" b="1" dirty="0" smtClean="0"/>
-              <a:t>LGM : </a:t>
-            </a:r>
-            <a:r>
-              <a:rPr lang="en-US" altLang="ko-KR" b="1" dirty="0" smtClean="0"/>
-              <a:t>2631 </a:t>
-            </a:r>
-            <a:r>
-              <a:rPr lang="en-US" altLang="ko-KR" b="1" dirty="0" smtClean="0"/>
-              <a:t>~ </a:t>
-            </a:r>
-            <a:r>
-              <a:rPr lang="en-US" altLang="ko-KR" b="1" dirty="0" smtClean="0"/>
-              <a:t>2643 </a:t>
-            </a:r>
-            <a:r>
-              <a:rPr lang="en-US" altLang="ko-KR" b="1" dirty="0" smtClean="0"/>
-              <a:t>(</a:t>
-            </a:r>
-            <a:r>
-              <a:rPr lang="en-US" altLang="ko-KR" b="1" dirty="0" smtClean="0"/>
-              <a:t>14)</a:t>
+              <a:t>LGM : 2631 ~ 2643 (14)</a:t>
             </a:r>
             <a:endParaRPr lang="ko-KR" altLang="en-US" b="1" dirty="0"/>
           </a:p>
@@ -13954,11 +13894,7 @@
             </a:r>
             <a:r>
               <a:rPr lang="en-US" altLang="ko-KR" b="1" dirty="0" smtClean="0"/>
-              <a:t>: 2259,2297 </a:t>
-            </a:r>
-            <a:r>
-              <a:rPr lang="en-US" altLang="ko-KR" b="1" dirty="0" smtClean="0"/>
-              <a:t> (2)</a:t>
+              <a:t>: 2259,2297  (2)</a:t>
             </a:r>
             <a:endParaRPr lang="ko-KR" altLang="en-US" b="1" dirty="0"/>
           </a:p>
@@ -14321,15 +14257,7 @@
           <a:p>
             <a:r>
               <a:rPr lang="en-US" altLang="ko-KR" b="1" dirty="0" smtClean="0"/>
-              <a:t>3 </a:t>
-            </a:r>
-            <a:r>
-              <a:rPr lang="en-US" altLang="ko-KR" b="1" dirty="0" smtClean="0"/>
-              <a:t>~ </a:t>
-            </a:r>
-            <a:r>
-              <a:rPr lang="en-US" altLang="ko-KR" b="1" dirty="0" smtClean="0"/>
-              <a:t>8657 (33)</a:t>
+              <a:t>3 ~ 8657 (33)</a:t>
             </a:r>
             <a:endParaRPr lang="ko-KR" altLang="en-US" b="1" dirty="0"/>
           </a:p>
@@ -14364,7 +14292,7 @@
           <a:p>
             <a:r>
               <a:rPr lang="en-US" altLang="ko-KR" sz="1600" dirty="0" smtClean="0"/>
-              <a:t>7111</a:t>
+              <a:t>9638</a:t>
             </a:r>
             <a:endParaRPr lang="ko-KR" altLang="en-US" sz="1600" dirty="0"/>
           </a:p>
@@ -14397,7 +14325,7 @@
           <a:p>
             <a:r>
               <a:rPr lang="en-US" altLang="ko-KR" sz="1600" dirty="0" smtClean="0"/>
-              <a:t>7114</a:t>
+              <a:t>9641</a:t>
             </a:r>
             <a:endParaRPr lang="ko-KR" altLang="en-US" sz="1600" dirty="0"/>
           </a:p>
@@ -14432,7 +14360,7 @@
           <a:p>
             <a:r>
               <a:rPr lang="en-US" altLang="ko-KR" sz="1600" dirty="0" smtClean="0"/>
-              <a:t>8673</a:t>
+              <a:t>9601</a:t>
             </a:r>
             <a:endParaRPr lang="ko-KR" altLang="en-US" sz="1600" dirty="0"/>
           </a:p>
@@ -14465,7 +14393,7 @@
           <a:p>
             <a:r>
               <a:rPr lang="en-US" altLang="ko-KR" sz="1600" dirty="0" smtClean="0"/>
-              <a:t>7115</a:t>
+              <a:t>9602</a:t>
             </a:r>
             <a:endParaRPr lang="ko-KR" altLang="en-US" sz="1600" dirty="0"/>
           </a:p>
@@ -14498,7 +14426,7 @@
           <a:p>
             <a:r>
               <a:rPr lang="en-US" altLang="ko-KR" sz="1600" dirty="0" smtClean="0"/>
-              <a:t>7118</a:t>
+              <a:t>9605</a:t>
             </a:r>
             <a:endParaRPr lang="ko-KR" altLang="en-US" sz="1600" dirty="0"/>
           </a:p>
@@ -14531,40 +14459,7 @@
           <a:p>
             <a:r>
               <a:rPr lang="en-US" altLang="ko-KR" sz="1600" dirty="0" smtClean="0"/>
-              <a:t>7119</a:t>
-            </a:r>
-            <a:endParaRPr lang="ko-KR" altLang="en-US" sz="1600" dirty="0"/>
-          </a:p>
-        </p:txBody>
-      </p:sp>
-      <p:sp>
-        <p:nvSpPr>
-          <p:cNvPr id="85" name="TextBox 84"/>
-          <p:cNvSpPr txBox="1"/>
-          <p:nvPr/>
-        </p:nvSpPr>
-        <p:spPr>
-          <a:xfrm>
-            <a:off x="7505770" y="3733282"/>
-            <a:ext cx="639919" cy="338554"/>
-          </a:xfrm>
-          <a:prstGeom prst="rect">
-            <a:avLst/>
-          </a:prstGeom>
-          <a:noFill/>
-          <a:ln>
-            <a:noFill/>
-          </a:ln>
-        </p:spPr>
-        <p:txBody>
-          <a:bodyPr wrap="none" rtlCol="0">
-            <a:spAutoFit/>
-          </a:bodyPr>
-          <a:lstStyle/>
-          <a:p>
-            <a:r>
-              <a:rPr lang="en-US" altLang="ko-KR" sz="1600" dirty="0" smtClean="0"/>
-              <a:t>7120</a:t>
+              <a:t>9606</a:t>
             </a:r>
             <a:endParaRPr lang="ko-KR" altLang="en-US" sz="1600" dirty="0"/>
           </a:p>
@@ -14608,14 +14503,344 @@
         </p:nvSpPr>
         <p:spPr>
           <a:xfrm>
-            <a:off x="7672201" y="4003145"/>
-            <a:ext cx="298480" cy="338554"/>
+            <a:off x="7532767" y="4532431"/>
+            <a:ext cx="639919" cy="338554"/>
           </a:xfrm>
           <a:prstGeom prst="rect">
             <a:avLst/>
           </a:prstGeom>
           <a:noFill/>
           <a:ln w="28575">
+            <a:noFill/>
+          </a:ln>
+        </p:spPr>
+        <p:txBody>
+          <a:bodyPr wrap="none" rtlCol="0">
+            <a:spAutoFit/>
+          </a:bodyPr>
+          <a:lstStyle/>
+          <a:p>
+            <a:r>
+              <a:rPr lang="en-US" altLang="ko-KR" sz="1600" dirty="0" smtClean="0"/>
+              <a:t>9609</a:t>
+            </a:r>
+            <a:endParaRPr lang="ko-KR" altLang="en-US" sz="1600" dirty="0"/>
+          </a:p>
+        </p:txBody>
+      </p:sp>
+      <p:sp>
+        <p:nvSpPr>
+          <p:cNvPr id="17" name="TextBox 16"/>
+          <p:cNvSpPr txBox="1"/>
+          <p:nvPr/>
+        </p:nvSpPr>
+        <p:spPr>
+          <a:xfrm>
+            <a:off x="7503760" y="4845128"/>
+            <a:ext cx="639919" cy="338554"/>
+          </a:xfrm>
+          <a:prstGeom prst="rect">
+            <a:avLst/>
+          </a:prstGeom>
+          <a:noFill/>
+          <a:ln>
+            <a:noFill/>
+          </a:ln>
+        </p:spPr>
+        <p:txBody>
+          <a:bodyPr wrap="none" rtlCol="0">
+            <a:spAutoFit/>
+          </a:bodyPr>
+          <a:lstStyle/>
+          <a:p>
+            <a:r>
+              <a:rPr lang="en-US" altLang="ko-KR" sz="1600" dirty="0" smtClean="0"/>
+              <a:t>9610</a:t>
+            </a:r>
+            <a:endParaRPr lang="ko-KR" altLang="en-US" sz="1600" dirty="0"/>
+          </a:p>
+        </p:txBody>
+      </p:sp>
+      <p:sp>
+        <p:nvSpPr>
+          <p:cNvPr id="20" name="TextBox 19"/>
+          <p:cNvSpPr txBox="1"/>
+          <p:nvPr/>
+        </p:nvSpPr>
+        <p:spPr>
+          <a:xfrm rot="16200000">
+            <a:off x="3927132" y="6031690"/>
+            <a:ext cx="639919" cy="338554"/>
+          </a:xfrm>
+          <a:prstGeom prst="rect">
+            <a:avLst/>
+          </a:prstGeom>
+          <a:noFill/>
+          <a:ln>
+            <a:noFill/>
+          </a:ln>
+        </p:spPr>
+        <p:txBody>
+          <a:bodyPr wrap="none" rtlCol="0">
+            <a:spAutoFit/>
+          </a:bodyPr>
+          <a:lstStyle/>
+          <a:p>
+            <a:r>
+              <a:rPr lang="en-US" altLang="ko-KR" sz="1600" dirty="0" smtClean="0"/>
+              <a:t>9623</a:t>
+            </a:r>
+            <a:endParaRPr lang="ko-KR" altLang="en-US" sz="1600" dirty="0"/>
+          </a:p>
+        </p:txBody>
+      </p:sp>
+      <p:sp>
+        <p:nvSpPr>
+          <p:cNvPr id="23" name="TextBox 22"/>
+          <p:cNvSpPr txBox="1"/>
+          <p:nvPr/>
+        </p:nvSpPr>
+        <p:spPr>
+          <a:xfrm rot="16200000">
+            <a:off x="5343872" y="6025074"/>
+            <a:ext cx="639919" cy="338554"/>
+          </a:xfrm>
+          <a:prstGeom prst="rect">
+            <a:avLst/>
+          </a:prstGeom>
+          <a:noFill/>
+          <a:ln>
+            <a:noFill/>
+          </a:ln>
+        </p:spPr>
+        <p:txBody>
+          <a:bodyPr wrap="none" rtlCol="0">
+            <a:spAutoFit/>
+          </a:bodyPr>
+          <a:lstStyle/>
+          <a:p>
+            <a:r>
+              <a:rPr lang="en-US" altLang="ko-KR" sz="1600" dirty="0" smtClean="0"/>
+              <a:t>9618</a:t>
+            </a:r>
+            <a:endParaRPr lang="ko-KR" altLang="en-US" sz="1600" dirty="0"/>
+          </a:p>
+        </p:txBody>
+      </p:sp>
+      <p:sp>
+        <p:nvSpPr>
+          <p:cNvPr id="26" name="TextBox 25"/>
+          <p:cNvSpPr txBox="1"/>
+          <p:nvPr/>
+        </p:nvSpPr>
+        <p:spPr>
+          <a:xfrm rot="16200000">
+            <a:off x="4471922" y="6019368"/>
+            <a:ext cx="639919" cy="338554"/>
+          </a:xfrm>
+          <a:prstGeom prst="rect">
+            <a:avLst/>
+          </a:prstGeom>
+          <a:noFill/>
+          <a:ln>
+            <a:noFill/>
+          </a:ln>
+        </p:spPr>
+        <p:txBody>
+          <a:bodyPr wrap="none" rtlCol="0">
+            <a:spAutoFit/>
+          </a:bodyPr>
+          <a:lstStyle/>
+          <a:p>
+            <a:r>
+              <a:rPr lang="en-US" altLang="ko-KR" sz="1600" dirty="0" smtClean="0"/>
+              <a:t>9621</a:t>
+            </a:r>
+            <a:endParaRPr lang="ko-KR" altLang="en-US" sz="1600" dirty="0"/>
+          </a:p>
+        </p:txBody>
+      </p:sp>
+      <p:sp>
+        <p:nvSpPr>
+          <p:cNvPr id="27" name="TextBox 26"/>
+          <p:cNvSpPr txBox="1"/>
+          <p:nvPr/>
+        </p:nvSpPr>
+        <p:spPr>
+          <a:xfrm rot="16200000">
+            <a:off x="6277612" y="6013255"/>
+            <a:ext cx="639919" cy="338554"/>
+          </a:xfrm>
+          <a:prstGeom prst="rect">
+            <a:avLst/>
+          </a:prstGeom>
+          <a:noFill/>
+          <a:ln>
+            <a:noFill/>
+          </a:ln>
+        </p:spPr>
+        <p:txBody>
+          <a:bodyPr wrap="none" rtlCol="0">
+            <a:spAutoFit/>
+          </a:bodyPr>
+          <a:lstStyle/>
+          <a:p>
+            <a:r>
+              <a:rPr lang="en-US" altLang="ko-KR" sz="1600" dirty="0" smtClean="0"/>
+              <a:t>9615</a:t>
+            </a:r>
+            <a:endParaRPr lang="ko-KR" altLang="en-US" sz="1600" dirty="0"/>
+          </a:p>
+        </p:txBody>
+      </p:sp>
+      <p:sp>
+        <p:nvSpPr>
+          <p:cNvPr id="28" name="TextBox 27"/>
+          <p:cNvSpPr txBox="1"/>
+          <p:nvPr/>
+        </p:nvSpPr>
+        <p:spPr>
+          <a:xfrm rot="16200000">
+            <a:off x="7142806" y="6031690"/>
+            <a:ext cx="639919" cy="338554"/>
+          </a:xfrm>
+          <a:prstGeom prst="rect">
+            <a:avLst/>
+          </a:prstGeom>
+          <a:noFill/>
+          <a:ln>
+            <a:noFill/>
+          </a:ln>
+        </p:spPr>
+        <p:txBody>
+          <a:bodyPr wrap="none" rtlCol="0">
+            <a:spAutoFit/>
+          </a:bodyPr>
+          <a:lstStyle/>
+          <a:p>
+            <a:r>
+              <a:rPr lang="en-US" altLang="ko-KR" sz="1600" dirty="0" smtClean="0"/>
+              <a:t>9612</a:t>
+            </a:r>
+            <a:endParaRPr lang="ko-KR" altLang="en-US" sz="1600" dirty="0"/>
+          </a:p>
+        </p:txBody>
+      </p:sp>
+      <p:sp>
+        <p:nvSpPr>
+          <p:cNvPr id="29" name="TextBox 28"/>
+          <p:cNvSpPr txBox="1"/>
+          <p:nvPr/>
+        </p:nvSpPr>
+        <p:spPr>
+          <a:xfrm rot="16200000">
+            <a:off x="7641974" y="5975550"/>
+            <a:ext cx="639919" cy="338554"/>
+          </a:xfrm>
+          <a:prstGeom prst="rect">
+            <a:avLst/>
+          </a:prstGeom>
+          <a:noFill/>
+          <a:ln>
+            <a:noFill/>
+          </a:ln>
+        </p:spPr>
+        <p:txBody>
+          <a:bodyPr wrap="none" rtlCol="0">
+            <a:spAutoFit/>
+          </a:bodyPr>
+          <a:lstStyle/>
+          <a:p>
+            <a:r>
+              <a:rPr lang="en-US" altLang="ko-KR" sz="1600" dirty="0" smtClean="0"/>
+              <a:t>9611</a:t>
+            </a:r>
+            <a:endParaRPr lang="ko-KR" altLang="en-US" sz="1600" dirty="0"/>
+          </a:p>
+        </p:txBody>
+      </p:sp>
+      <p:sp>
+        <p:nvSpPr>
+          <p:cNvPr id="31" name="TextBox 30"/>
+          <p:cNvSpPr txBox="1"/>
+          <p:nvPr/>
+        </p:nvSpPr>
+        <p:spPr>
+          <a:xfrm>
+            <a:off x="3502020" y="3576268"/>
+            <a:ext cx="639919" cy="338554"/>
+          </a:xfrm>
+          <a:prstGeom prst="rect">
+            <a:avLst/>
+          </a:prstGeom>
+          <a:noFill/>
+          <a:ln>
+            <a:noFill/>
+          </a:ln>
+        </p:spPr>
+        <p:txBody>
+          <a:bodyPr wrap="none" rtlCol="0">
+            <a:spAutoFit/>
+          </a:bodyPr>
+          <a:lstStyle/>
+          <a:p>
+            <a:r>
+              <a:rPr lang="en-US" altLang="ko-KR" sz="1600" dirty="0" smtClean="0"/>
+              <a:t>7026</a:t>
+            </a:r>
+            <a:endParaRPr lang="ko-KR" altLang="en-US" sz="1600" dirty="0"/>
+          </a:p>
+        </p:txBody>
+      </p:sp>
+      <p:sp>
+        <p:nvSpPr>
+          <p:cNvPr id="32" name="TextBox 31"/>
+          <p:cNvSpPr txBox="1"/>
+          <p:nvPr/>
+        </p:nvSpPr>
+        <p:spPr>
+          <a:xfrm>
+            <a:off x="3514501" y="3884826"/>
+            <a:ext cx="639919" cy="338554"/>
+          </a:xfrm>
+          <a:prstGeom prst="rect">
+            <a:avLst/>
+          </a:prstGeom>
+          <a:noFill/>
+          <a:ln>
+            <a:noFill/>
+          </a:ln>
+        </p:spPr>
+        <p:txBody>
+          <a:bodyPr wrap="none" rtlCol="0">
+            <a:spAutoFit/>
+          </a:bodyPr>
+          <a:lstStyle/>
+          <a:p>
+            <a:r>
+              <a:rPr lang="en-US" altLang="ko-KR" sz="1600" dirty="0" smtClean="0"/>
+              <a:t>7022</a:t>
+            </a:r>
+            <a:endParaRPr lang="ko-KR" altLang="en-US" sz="1600" dirty="0"/>
+          </a:p>
+        </p:txBody>
+      </p:sp>
+      <p:sp>
+        <p:nvSpPr>
+          <p:cNvPr id="33" name="TextBox 32"/>
+          <p:cNvSpPr txBox="1"/>
+          <p:nvPr/>
+        </p:nvSpPr>
+        <p:spPr>
+          <a:xfrm>
+            <a:off x="3511234" y="4153041"/>
+            <a:ext cx="639919" cy="338554"/>
+          </a:xfrm>
+          <a:prstGeom prst="rect">
+            <a:avLst/>
+          </a:prstGeom>
+          <a:noFill/>
+          <a:ln>
             <a:solidFill>
               <a:schemeClr val="tx1"/>
             </a:solidFill>
@@ -14629,567 +14854,6 @@
           <a:p>
             <a:r>
               <a:rPr lang="en-US" altLang="ko-KR" sz="1600" dirty="0" smtClean="0"/>
-              <a:t>3</a:t>
-            </a:r>
-            <a:endParaRPr lang="ko-KR" altLang="en-US" sz="1600" dirty="0"/>
-          </a:p>
-        </p:txBody>
-      </p:sp>
-      <p:sp>
-        <p:nvSpPr>
-          <p:cNvPr id="16" name="TextBox 15"/>
-          <p:cNvSpPr txBox="1"/>
-          <p:nvPr/>
-        </p:nvSpPr>
-        <p:spPr>
-          <a:xfrm>
-            <a:off x="7662010" y="4592591"/>
-            <a:ext cx="298480" cy="338554"/>
-          </a:xfrm>
-          <a:prstGeom prst="rect">
-            <a:avLst/>
-          </a:prstGeom>
-          <a:noFill/>
-          <a:ln>
-            <a:noFill/>
-          </a:ln>
-        </p:spPr>
-        <p:txBody>
-          <a:bodyPr wrap="none" rtlCol="0">
-            <a:spAutoFit/>
-          </a:bodyPr>
-          <a:lstStyle/>
-          <a:p>
-            <a:r>
-              <a:rPr lang="en-US" altLang="ko-KR" sz="1600" dirty="0"/>
-              <a:t>6</a:t>
-            </a:r>
-            <a:endParaRPr lang="ko-KR" altLang="en-US" sz="1600" dirty="0"/>
-          </a:p>
-        </p:txBody>
-      </p:sp>
-      <p:sp>
-        <p:nvSpPr>
-          <p:cNvPr id="17" name="TextBox 16"/>
-          <p:cNvSpPr txBox="1"/>
-          <p:nvPr/>
-        </p:nvSpPr>
-        <p:spPr>
-          <a:xfrm>
-            <a:off x="7672201" y="4845128"/>
-            <a:ext cx="298480" cy="338554"/>
-          </a:xfrm>
-          <a:prstGeom prst="rect">
-            <a:avLst/>
-          </a:prstGeom>
-          <a:noFill/>
-          <a:ln>
-            <a:noFill/>
-          </a:ln>
-        </p:spPr>
-        <p:txBody>
-          <a:bodyPr wrap="none" rtlCol="0">
-            <a:spAutoFit/>
-          </a:bodyPr>
-          <a:lstStyle/>
-          <a:p>
-            <a:r>
-              <a:rPr lang="en-US" altLang="ko-KR" sz="1600" dirty="0" smtClean="0"/>
-              <a:t>7</a:t>
-            </a:r>
-            <a:endParaRPr lang="ko-KR" altLang="en-US" sz="1600" dirty="0"/>
-          </a:p>
-        </p:txBody>
-      </p:sp>
-      <p:sp>
-        <p:nvSpPr>
-          <p:cNvPr id="18" name="TextBox 17"/>
-          <p:cNvSpPr txBox="1"/>
-          <p:nvPr/>
-        </p:nvSpPr>
-        <p:spPr>
-          <a:xfrm>
-            <a:off x="7811250" y="5896737"/>
-            <a:ext cx="298480" cy="338554"/>
-          </a:xfrm>
-          <a:prstGeom prst="rect">
-            <a:avLst/>
-          </a:prstGeom>
-          <a:noFill/>
-          <a:ln>
-            <a:noFill/>
-          </a:ln>
-        </p:spPr>
-        <p:txBody>
-          <a:bodyPr wrap="none" rtlCol="0">
-            <a:spAutoFit/>
-          </a:bodyPr>
-          <a:lstStyle/>
-          <a:p>
-            <a:r>
-              <a:rPr lang="en-US" altLang="ko-KR" sz="1600" dirty="0" smtClean="0"/>
-              <a:t>9</a:t>
-            </a:r>
-            <a:endParaRPr lang="ko-KR" altLang="en-US" sz="1600" dirty="0"/>
-          </a:p>
-        </p:txBody>
-      </p:sp>
-      <p:sp>
-        <p:nvSpPr>
-          <p:cNvPr id="19" name="TextBox 18"/>
-          <p:cNvSpPr txBox="1"/>
-          <p:nvPr/>
-        </p:nvSpPr>
-        <p:spPr>
-          <a:xfrm>
-            <a:off x="7268899" y="5997719"/>
-            <a:ext cx="412292" cy="338554"/>
-          </a:xfrm>
-          <a:prstGeom prst="rect">
-            <a:avLst/>
-          </a:prstGeom>
-          <a:noFill/>
-          <a:ln>
-            <a:noFill/>
-          </a:ln>
-        </p:spPr>
-        <p:txBody>
-          <a:bodyPr wrap="none" rtlCol="0">
-            <a:spAutoFit/>
-          </a:bodyPr>
-          <a:lstStyle/>
-          <a:p>
-            <a:r>
-              <a:rPr lang="en-US" altLang="ko-KR" sz="1600" dirty="0" smtClean="0"/>
-              <a:t>10</a:t>
-            </a:r>
-            <a:endParaRPr lang="ko-KR" altLang="en-US" sz="1600" dirty="0"/>
-          </a:p>
-        </p:txBody>
-      </p:sp>
-      <p:sp>
-        <p:nvSpPr>
-          <p:cNvPr id="20" name="TextBox 19"/>
-          <p:cNvSpPr txBox="1"/>
-          <p:nvPr/>
-        </p:nvSpPr>
-        <p:spPr>
-          <a:xfrm rot="16200000">
-            <a:off x="3927132" y="6031690"/>
-            <a:ext cx="639919" cy="338554"/>
-          </a:xfrm>
-          <a:prstGeom prst="rect">
-            <a:avLst/>
-          </a:prstGeom>
-          <a:noFill/>
-          <a:ln>
-            <a:noFill/>
-          </a:ln>
-        </p:spPr>
-        <p:txBody>
-          <a:bodyPr wrap="none" rtlCol="0">
-            <a:spAutoFit/>
-          </a:bodyPr>
-          <a:lstStyle/>
-          <a:p>
-            <a:r>
-              <a:rPr lang="en-US" altLang="ko-KR" sz="1600" dirty="0" smtClean="0"/>
-              <a:t>6398</a:t>
-            </a:r>
-            <a:endParaRPr lang="ko-KR" altLang="en-US" sz="1600" dirty="0"/>
-          </a:p>
-        </p:txBody>
-      </p:sp>
-      <p:sp>
-        <p:nvSpPr>
-          <p:cNvPr id="21" name="TextBox 20"/>
-          <p:cNvSpPr txBox="1"/>
-          <p:nvPr/>
-        </p:nvSpPr>
-        <p:spPr>
-          <a:xfrm rot="16200000">
-            <a:off x="4800950" y="6031690"/>
-            <a:ext cx="639919" cy="338554"/>
-          </a:xfrm>
-          <a:prstGeom prst="rect">
-            <a:avLst/>
-          </a:prstGeom>
-          <a:noFill/>
-          <a:ln>
-            <a:noFill/>
-          </a:ln>
-        </p:spPr>
-        <p:txBody>
-          <a:bodyPr wrap="none" rtlCol="0">
-            <a:spAutoFit/>
-          </a:bodyPr>
-          <a:lstStyle/>
-          <a:p>
-            <a:r>
-              <a:rPr lang="en-US" altLang="ko-KR" sz="1600" dirty="0" smtClean="0"/>
-              <a:t>4129</a:t>
-            </a:r>
-            <a:endParaRPr lang="ko-KR" altLang="en-US" sz="1600" dirty="0"/>
-          </a:p>
-        </p:txBody>
-      </p:sp>
-      <p:sp>
-        <p:nvSpPr>
-          <p:cNvPr id="22" name="TextBox 21"/>
-          <p:cNvSpPr txBox="1"/>
-          <p:nvPr/>
-        </p:nvSpPr>
-        <p:spPr>
-          <a:xfrm rot="16200000">
-            <a:off x="5059863" y="6025074"/>
-            <a:ext cx="639919" cy="338554"/>
-          </a:xfrm>
-          <a:prstGeom prst="rect">
-            <a:avLst/>
-          </a:prstGeom>
-          <a:noFill/>
-          <a:ln>
-            <a:noFill/>
-          </a:ln>
-        </p:spPr>
-        <p:txBody>
-          <a:bodyPr wrap="none" rtlCol="0">
-            <a:spAutoFit/>
-          </a:bodyPr>
-          <a:lstStyle/>
-          <a:p>
-            <a:r>
-              <a:rPr lang="en-US" altLang="ko-KR" sz="1600" dirty="0" smtClean="0"/>
-              <a:t>3751</a:t>
-            </a:r>
-            <a:endParaRPr lang="ko-KR" altLang="en-US" sz="1600" dirty="0"/>
-          </a:p>
-        </p:txBody>
-      </p:sp>
-      <p:sp>
-        <p:nvSpPr>
-          <p:cNvPr id="23" name="TextBox 22"/>
-          <p:cNvSpPr txBox="1"/>
-          <p:nvPr/>
-        </p:nvSpPr>
-        <p:spPr>
-          <a:xfrm rot="16200000">
-            <a:off x="5343872" y="6025074"/>
-            <a:ext cx="639919" cy="338554"/>
-          </a:xfrm>
-          <a:prstGeom prst="rect">
-            <a:avLst/>
-          </a:prstGeom>
-          <a:noFill/>
-          <a:ln>
-            <a:noFill/>
-          </a:ln>
-        </p:spPr>
-        <p:txBody>
-          <a:bodyPr wrap="none" rtlCol="0">
-            <a:spAutoFit/>
-          </a:bodyPr>
-          <a:lstStyle/>
-          <a:p>
-            <a:r>
-              <a:rPr lang="en-US" altLang="ko-KR" sz="1600" dirty="0" smtClean="0"/>
-              <a:t>3628</a:t>
-            </a:r>
-            <a:endParaRPr lang="ko-KR" altLang="en-US" sz="1600" dirty="0"/>
-          </a:p>
-        </p:txBody>
-      </p:sp>
-      <p:sp>
-        <p:nvSpPr>
-          <p:cNvPr id="24" name="TextBox 23"/>
-          <p:cNvSpPr txBox="1"/>
-          <p:nvPr/>
-        </p:nvSpPr>
-        <p:spPr>
-          <a:xfrm rot="16200000">
-            <a:off x="5688797" y="6013255"/>
-            <a:ext cx="639919" cy="338554"/>
-          </a:xfrm>
-          <a:prstGeom prst="rect">
-            <a:avLst/>
-          </a:prstGeom>
-          <a:noFill/>
-          <a:ln>
-            <a:noFill/>
-          </a:ln>
-        </p:spPr>
-        <p:txBody>
-          <a:bodyPr wrap="none" rtlCol="0">
-            <a:spAutoFit/>
-          </a:bodyPr>
-          <a:lstStyle/>
-          <a:p>
-            <a:r>
-              <a:rPr lang="en-US" altLang="ko-KR" sz="1600" dirty="0" smtClean="0"/>
-              <a:t>3531</a:t>
-            </a:r>
-            <a:endParaRPr lang="ko-KR" altLang="en-US" sz="1600" dirty="0"/>
-          </a:p>
-        </p:txBody>
-      </p:sp>
-      <p:sp>
-        <p:nvSpPr>
-          <p:cNvPr id="25" name="TextBox 24"/>
-          <p:cNvSpPr txBox="1"/>
-          <p:nvPr/>
-        </p:nvSpPr>
-        <p:spPr>
-          <a:xfrm rot="16200000">
-            <a:off x="5976833" y="6031690"/>
-            <a:ext cx="639919" cy="338554"/>
-          </a:xfrm>
-          <a:prstGeom prst="rect">
-            <a:avLst/>
-          </a:prstGeom>
-          <a:noFill/>
-          <a:ln>
-            <a:noFill/>
-          </a:ln>
-        </p:spPr>
-        <p:txBody>
-          <a:bodyPr wrap="none" rtlCol="0">
-            <a:spAutoFit/>
-          </a:bodyPr>
-          <a:lstStyle/>
-          <a:p>
-            <a:r>
-              <a:rPr lang="en-US" altLang="ko-KR" sz="1600" dirty="0" smtClean="0"/>
-              <a:t>2475</a:t>
-            </a:r>
-            <a:endParaRPr lang="ko-KR" altLang="en-US" sz="1600" dirty="0"/>
-          </a:p>
-        </p:txBody>
-      </p:sp>
-      <p:sp>
-        <p:nvSpPr>
-          <p:cNvPr id="26" name="TextBox 25"/>
-          <p:cNvSpPr txBox="1"/>
-          <p:nvPr/>
-        </p:nvSpPr>
-        <p:spPr>
-          <a:xfrm rot="16200000">
-            <a:off x="4471922" y="6019368"/>
-            <a:ext cx="639919" cy="338554"/>
-          </a:xfrm>
-          <a:prstGeom prst="rect">
-            <a:avLst/>
-          </a:prstGeom>
-          <a:noFill/>
-          <a:ln>
-            <a:noFill/>
-          </a:ln>
-        </p:spPr>
-        <p:txBody>
-          <a:bodyPr wrap="none" rtlCol="0">
-            <a:spAutoFit/>
-          </a:bodyPr>
-          <a:lstStyle/>
-          <a:p>
-            <a:r>
-              <a:rPr lang="en-US" altLang="ko-KR" sz="1600" dirty="0" smtClean="0"/>
-              <a:t>4711</a:t>
-            </a:r>
-            <a:endParaRPr lang="ko-KR" altLang="en-US" sz="1600" dirty="0"/>
-          </a:p>
-        </p:txBody>
-      </p:sp>
-      <p:sp>
-        <p:nvSpPr>
-          <p:cNvPr id="27" name="TextBox 26"/>
-          <p:cNvSpPr txBox="1"/>
-          <p:nvPr/>
-        </p:nvSpPr>
-        <p:spPr>
-          <a:xfrm rot="16200000">
-            <a:off x="6277612" y="6013255"/>
-            <a:ext cx="639919" cy="338554"/>
-          </a:xfrm>
-          <a:prstGeom prst="rect">
-            <a:avLst/>
-          </a:prstGeom>
-          <a:noFill/>
-          <a:ln>
-            <a:noFill/>
-          </a:ln>
-        </p:spPr>
-        <p:txBody>
-          <a:bodyPr wrap="none" rtlCol="0">
-            <a:spAutoFit/>
-          </a:bodyPr>
-          <a:lstStyle/>
-          <a:p>
-            <a:r>
-              <a:rPr lang="en-US" altLang="ko-KR" sz="1600" dirty="0" smtClean="0"/>
-              <a:t>2470</a:t>
-            </a:r>
-            <a:endParaRPr lang="ko-KR" altLang="en-US" sz="1600" dirty="0"/>
-          </a:p>
-        </p:txBody>
-      </p:sp>
-      <p:sp>
-        <p:nvSpPr>
-          <p:cNvPr id="28" name="TextBox 27"/>
-          <p:cNvSpPr txBox="1"/>
-          <p:nvPr/>
-        </p:nvSpPr>
-        <p:spPr>
-          <a:xfrm rot="16200000">
-            <a:off x="6600389" y="6031690"/>
-            <a:ext cx="639919" cy="338554"/>
-          </a:xfrm>
-          <a:prstGeom prst="rect">
-            <a:avLst/>
-          </a:prstGeom>
-          <a:noFill/>
-          <a:ln>
-            <a:noFill/>
-          </a:ln>
-        </p:spPr>
-        <p:txBody>
-          <a:bodyPr wrap="none" rtlCol="0">
-            <a:spAutoFit/>
-          </a:bodyPr>
-          <a:lstStyle/>
-          <a:p>
-            <a:r>
-              <a:rPr lang="en-US" altLang="ko-KR" sz="1600" dirty="0" smtClean="0"/>
-              <a:t>1954</a:t>
-            </a:r>
-            <a:endParaRPr lang="ko-KR" altLang="en-US" sz="1600" dirty="0"/>
-          </a:p>
-        </p:txBody>
-      </p:sp>
-      <p:sp>
-        <p:nvSpPr>
-          <p:cNvPr id="29" name="TextBox 28"/>
-          <p:cNvSpPr txBox="1"/>
-          <p:nvPr/>
-        </p:nvSpPr>
-        <p:spPr>
-          <a:xfrm rot="16200000">
-            <a:off x="6942298" y="5990513"/>
-            <a:ext cx="526106" cy="338554"/>
-          </a:xfrm>
-          <a:prstGeom prst="rect">
-            <a:avLst/>
-          </a:prstGeom>
-          <a:noFill/>
-          <a:ln>
-            <a:noFill/>
-          </a:ln>
-        </p:spPr>
-        <p:txBody>
-          <a:bodyPr wrap="none" rtlCol="0">
-            <a:spAutoFit/>
-          </a:bodyPr>
-          <a:lstStyle/>
-          <a:p>
-            <a:r>
-              <a:rPr lang="en-US" altLang="ko-KR" sz="1600" dirty="0" smtClean="0"/>
-              <a:t>637</a:t>
-            </a:r>
-            <a:endParaRPr lang="ko-KR" altLang="en-US" sz="1600" dirty="0"/>
-          </a:p>
-        </p:txBody>
-      </p:sp>
-      <p:sp>
-        <p:nvSpPr>
-          <p:cNvPr id="31" name="TextBox 30"/>
-          <p:cNvSpPr txBox="1"/>
-          <p:nvPr/>
-        </p:nvSpPr>
-        <p:spPr>
-          <a:xfrm>
-            <a:off x="3502020" y="3576268"/>
-            <a:ext cx="639919" cy="338554"/>
-          </a:xfrm>
-          <a:prstGeom prst="rect">
-            <a:avLst/>
-          </a:prstGeom>
-          <a:noFill/>
-          <a:ln>
-            <a:noFill/>
-          </a:ln>
-        </p:spPr>
-        <p:txBody>
-          <a:bodyPr wrap="none" rtlCol="0">
-            <a:spAutoFit/>
-          </a:bodyPr>
-          <a:lstStyle/>
-          <a:p>
-            <a:r>
-              <a:rPr lang="en-US" altLang="ko-KR" sz="1600" dirty="0" smtClean="0"/>
-              <a:t>7026</a:t>
-            </a:r>
-            <a:endParaRPr lang="ko-KR" altLang="en-US" sz="1600" dirty="0"/>
-          </a:p>
-        </p:txBody>
-      </p:sp>
-      <p:sp>
-        <p:nvSpPr>
-          <p:cNvPr id="32" name="TextBox 31"/>
-          <p:cNvSpPr txBox="1"/>
-          <p:nvPr/>
-        </p:nvSpPr>
-        <p:spPr>
-          <a:xfrm>
-            <a:off x="3514501" y="3884826"/>
-            <a:ext cx="639919" cy="338554"/>
-          </a:xfrm>
-          <a:prstGeom prst="rect">
-            <a:avLst/>
-          </a:prstGeom>
-          <a:noFill/>
-          <a:ln>
-            <a:noFill/>
-          </a:ln>
-        </p:spPr>
-        <p:txBody>
-          <a:bodyPr wrap="none" rtlCol="0">
-            <a:spAutoFit/>
-          </a:bodyPr>
-          <a:lstStyle/>
-          <a:p>
-            <a:r>
-              <a:rPr lang="en-US" altLang="ko-KR" sz="1600" dirty="0" smtClean="0"/>
-              <a:t>7022</a:t>
-            </a:r>
-            <a:endParaRPr lang="ko-KR" altLang="en-US" sz="1600" dirty="0"/>
-          </a:p>
-        </p:txBody>
-      </p:sp>
-      <p:sp>
-        <p:nvSpPr>
-          <p:cNvPr id="33" name="TextBox 32"/>
-          <p:cNvSpPr txBox="1"/>
-          <p:nvPr/>
-        </p:nvSpPr>
-        <p:spPr>
-          <a:xfrm>
-            <a:off x="3511234" y="4153041"/>
-            <a:ext cx="639919" cy="338554"/>
-          </a:xfrm>
-          <a:prstGeom prst="rect">
-            <a:avLst/>
-          </a:prstGeom>
-          <a:noFill/>
-          <a:ln>
-            <a:noFill/>
-          </a:ln>
-        </p:spPr>
-        <p:txBody>
-          <a:bodyPr wrap="none" rtlCol="0">
-            <a:spAutoFit/>
-          </a:bodyPr>
-          <a:lstStyle/>
-          <a:p>
-            <a:r>
-              <a:rPr lang="en-US" altLang="ko-KR" sz="1600" dirty="0" smtClean="0"/>
               <a:t>7011</a:t>
             </a:r>
             <a:endParaRPr lang="ko-KR" altLang="en-US" sz="1600" dirty="0"/>
@@ -15223,7 +14887,7 @@
           <a:p>
             <a:r>
               <a:rPr lang="en-US" altLang="ko-KR" sz="1600" dirty="0" smtClean="0"/>
-              <a:t>7007</a:t>
+              <a:t>9627</a:t>
             </a:r>
             <a:endParaRPr lang="ko-KR" altLang="en-US" sz="1600" dirty="0"/>
           </a:p>
@@ -15256,40 +14920,7 @@
           <a:p>
             <a:r>
               <a:rPr lang="en-US" altLang="ko-KR" sz="1600" dirty="0" smtClean="0"/>
-              <a:t>7001</a:t>
-            </a:r>
-            <a:endParaRPr lang="ko-KR" altLang="en-US" sz="1600" dirty="0"/>
-          </a:p>
-        </p:txBody>
-      </p:sp>
-      <p:sp>
-        <p:nvSpPr>
-          <p:cNvPr id="36" name="TextBox 35"/>
-          <p:cNvSpPr txBox="1"/>
-          <p:nvPr/>
-        </p:nvSpPr>
-        <p:spPr>
-          <a:xfrm>
-            <a:off x="3505721" y="5213440"/>
-            <a:ext cx="639919" cy="338554"/>
-          </a:xfrm>
-          <a:prstGeom prst="rect">
-            <a:avLst/>
-          </a:prstGeom>
-          <a:noFill/>
-          <a:ln>
-            <a:noFill/>
-          </a:ln>
-        </p:spPr>
-        <p:txBody>
-          <a:bodyPr wrap="none" rtlCol="0">
-            <a:spAutoFit/>
-          </a:bodyPr>
-          <a:lstStyle/>
-          <a:p>
-            <a:r>
-              <a:rPr lang="en-US" altLang="ko-KR" sz="1600" dirty="0" smtClean="0"/>
-              <a:t>6994</a:t>
+              <a:t>9626</a:t>
             </a:r>
             <a:endParaRPr lang="ko-KR" altLang="en-US" sz="1600" dirty="0"/>
           </a:p>
@@ -15322,7 +14953,7 @@
           <a:p>
             <a:r>
               <a:rPr lang="en-US" altLang="ko-KR" sz="1600" dirty="0" smtClean="0"/>
-              <a:t>6992</a:t>
+              <a:t>9624</a:t>
             </a:r>
             <a:endParaRPr lang="ko-KR" altLang="en-US" sz="1600" dirty="0"/>
           </a:p>
@@ -15355,7 +14986,7 @@
           <a:p>
             <a:r>
               <a:rPr lang="en-US" altLang="ko-KR" sz="1600" dirty="0" smtClean="0"/>
-              <a:t>7341</a:t>
+              <a:t>9633</a:t>
             </a:r>
             <a:endParaRPr lang="ko-KR" altLang="en-US" sz="1600" dirty="0"/>
           </a:p>
@@ -15388,7 +15019,7 @@
           <a:p>
             <a:r>
               <a:rPr lang="en-US" altLang="ko-KR" sz="1600" dirty="0" smtClean="0"/>
-              <a:t>7315</a:t>
+              <a:t>9634</a:t>
             </a:r>
             <a:endParaRPr lang="ko-KR" altLang="en-US" sz="1600" dirty="0"/>
           </a:p>
@@ -15421,7 +15052,7 @@
           <a:p>
             <a:r>
               <a:rPr lang="en-US" altLang="ko-KR" sz="1600" dirty="0" smtClean="0"/>
-              <a:t>7263</a:t>
+              <a:t>9635</a:t>
             </a:r>
             <a:endParaRPr lang="ko-KR" altLang="en-US" sz="1600" dirty="0"/>
           </a:p>
@@ -15454,7 +15085,7 @@
           <a:p>
             <a:r>
               <a:rPr lang="en-US" altLang="ko-KR" sz="1600" dirty="0" smtClean="0"/>
-              <a:t>7142</a:t>
+              <a:t>9636</a:t>
             </a:r>
             <a:endParaRPr lang="ko-KR" altLang="en-US" sz="1600" dirty="0"/>
           </a:p>
@@ -15487,40 +15118,7 @@
           <a:p>
             <a:r>
               <a:rPr lang="en-US" altLang="ko-KR" sz="1600" dirty="0" smtClean="0"/>
-              <a:t>7034</a:t>
-            </a:r>
-            <a:endParaRPr lang="ko-KR" altLang="en-US" sz="1600" dirty="0"/>
-          </a:p>
-        </p:txBody>
-      </p:sp>
-      <p:sp>
-        <p:nvSpPr>
-          <p:cNvPr id="45" name="TextBox 44"/>
-          <p:cNvSpPr txBox="1"/>
-          <p:nvPr/>
-        </p:nvSpPr>
-        <p:spPr>
-          <a:xfrm rot="16200000">
-            <a:off x="5078832" y="4827659"/>
-            <a:ext cx="639919" cy="338554"/>
-          </a:xfrm>
-          <a:prstGeom prst="rect">
-            <a:avLst/>
-          </a:prstGeom>
-          <a:noFill/>
-          <a:ln>
-            <a:noFill/>
-          </a:ln>
-        </p:spPr>
-        <p:txBody>
-          <a:bodyPr wrap="none" rtlCol="0">
-            <a:spAutoFit/>
-          </a:bodyPr>
-          <a:lstStyle/>
-          <a:p>
-            <a:r>
-              <a:rPr lang="en-US" altLang="ko-KR" sz="1600" dirty="0" smtClean="0"/>
-              <a:t>8631</a:t>
+              <a:t>9637</a:t>
             </a:r>
             <a:endParaRPr lang="ko-KR" altLang="en-US" sz="1600" dirty="0"/>
           </a:p>
@@ -15553,73 +15151,7 @@
           <a:p>
             <a:r>
               <a:rPr lang="en-US" altLang="ko-KR" sz="1600" dirty="0" smtClean="0"/>
-              <a:t>8657</a:t>
-            </a:r>
-            <a:endParaRPr lang="ko-KR" altLang="en-US" sz="1600" dirty="0"/>
-          </a:p>
-        </p:txBody>
-      </p:sp>
-      <p:sp>
-        <p:nvSpPr>
-          <p:cNvPr id="47" name="TextBox 46"/>
-          <p:cNvSpPr txBox="1"/>
-          <p:nvPr/>
-        </p:nvSpPr>
-        <p:spPr>
-          <a:xfrm rot="16200000">
-            <a:off x="4177393" y="6047761"/>
-            <a:ext cx="639919" cy="338554"/>
-          </a:xfrm>
-          <a:prstGeom prst="rect">
-            <a:avLst/>
-          </a:prstGeom>
-          <a:noFill/>
-          <a:ln>
-            <a:noFill/>
-          </a:ln>
-        </p:spPr>
-        <p:txBody>
-          <a:bodyPr wrap="none" rtlCol="0">
-            <a:spAutoFit/>
-          </a:bodyPr>
-          <a:lstStyle/>
-          <a:p>
-            <a:r>
-              <a:rPr lang="en-US" altLang="ko-KR" sz="1600" dirty="0" smtClean="0"/>
-              <a:t>4715</a:t>
-            </a:r>
-            <a:endParaRPr lang="ko-KR" altLang="en-US" sz="1600" dirty="0"/>
-          </a:p>
-        </p:txBody>
-      </p:sp>
-      <p:sp>
-        <p:nvSpPr>
-          <p:cNvPr id="48" name="TextBox 47"/>
-          <p:cNvSpPr txBox="1"/>
-          <p:nvPr/>
-        </p:nvSpPr>
-        <p:spPr>
-          <a:xfrm rot="16200000">
-            <a:off x="5346866" y="4829325"/>
-            <a:ext cx="639919" cy="338554"/>
-          </a:xfrm>
-          <a:prstGeom prst="rect">
-            <a:avLst/>
-          </a:prstGeom>
-          <a:noFill/>
-          <a:ln>
-            <a:noFill/>
-          </a:ln>
-        </p:spPr>
-        <p:txBody>
-          <a:bodyPr wrap="none" rtlCol="0">
-            <a:spAutoFit/>
-          </a:bodyPr>
-          <a:lstStyle/>
-          <a:p>
-            <a:r>
-              <a:rPr lang="en-US" altLang="ko-KR" sz="1600" dirty="0" smtClean="0"/>
-              <a:t>7515</a:t>
+              <a:t>9628</a:t>
             </a:r>
             <a:endParaRPr lang="ko-KR" altLang="en-US" sz="1600" dirty="0"/>
           </a:p>
@@ -15652,40 +15184,7 @@
           <a:p>
             <a:r>
               <a:rPr lang="en-US" altLang="ko-KR" sz="1600" dirty="0" smtClean="0"/>
-              <a:t>7378</a:t>
-            </a:r>
-            <a:endParaRPr lang="ko-KR" altLang="en-US" sz="1600" dirty="0"/>
-          </a:p>
-        </p:txBody>
-      </p:sp>
-      <p:sp>
-        <p:nvSpPr>
-          <p:cNvPr id="50" name="TextBox 49"/>
-          <p:cNvSpPr txBox="1"/>
-          <p:nvPr/>
-        </p:nvSpPr>
-        <p:spPr>
-          <a:xfrm rot="16200000">
-            <a:off x="5973694" y="4797876"/>
-            <a:ext cx="639919" cy="338554"/>
-          </a:xfrm>
-          <a:prstGeom prst="rect">
-            <a:avLst/>
-          </a:prstGeom>
-          <a:noFill/>
-          <a:ln>
-            <a:noFill/>
-          </a:ln>
-        </p:spPr>
-        <p:txBody>
-          <a:bodyPr wrap="none" rtlCol="0">
-            <a:spAutoFit/>
-          </a:bodyPr>
-          <a:lstStyle/>
-          <a:p>
-            <a:r>
-              <a:rPr lang="en-US" altLang="ko-KR" sz="1600" dirty="0" smtClean="0"/>
-              <a:t>7349</a:t>
+              <a:t>9631</a:t>
             </a:r>
             <a:endParaRPr lang="ko-KR" altLang="en-US" sz="1600" dirty="0"/>
           </a:p>
